--- a/惟有主愛充滿在我心.pptx
+++ b/惟有主愛充滿在我心.pptx
@@ -5,14 +5,18 @@
     <p:sldMasterId id="2147483684" r:id="rId1"/>
   </p:sldMasterIdLst>
   <p:sldIdLst>
-    <p:sldId id="256" r:id="rId2"/>
-    <p:sldId id="257" r:id="rId3"/>
-    <p:sldId id="258" r:id="rId4"/>
-    <p:sldId id="259" r:id="rId5"/>
-    <p:sldId id="260" r:id="rId6"/>
-    <p:sldId id="261" r:id="rId7"/>
+    <p:sldId id="262" r:id="rId2"/>
+    <p:sldId id="263" r:id="rId3"/>
+    <p:sldId id="264" r:id="rId4"/>
+    <p:sldId id="265" r:id="rId5"/>
+    <p:sldId id="266" r:id="rId6"/>
+    <p:sldId id="267" r:id="rId7"/>
+    <p:sldId id="268" r:id="rId8"/>
+    <p:sldId id="259" r:id="rId9"/>
+    <p:sldId id="260" r:id="rId10"/>
+    <p:sldId id="261" r:id="rId11"/>
   </p:sldIdLst>
-  <p:sldSz cx="9144000" cy="6858000" type="screen4x3"/>
+  <p:sldSz cx="12192000" cy="6858000"/>
   <p:notesSz cx="6858000" cy="9144000"/>
   <p:defaultTextStyle>
     <a:defPPr>
@@ -109,6 +113,22 @@
       </a:defRPr>
     </a:lvl9pPr>
   </p:defaultTextStyle>
+  <p:extLst>
+    <p:ext uri="{EFAFB233-063F-42B5-8137-9DF3F51BA10A}">
+      <p15:sldGuideLst xmlns:p15="http://schemas.microsoft.com/office/powerpoint/2012/main">
+        <p15:guide id="1" orient="horz" pos="2160" userDrawn="1">
+          <p15:clr>
+            <a:srgbClr val="A4A3A4"/>
+          </p15:clr>
+        </p15:guide>
+        <p15:guide id="2" pos="3840" userDrawn="1">
+          <p15:clr>
+            <a:srgbClr val="A4A3A4"/>
+          </p15:clr>
+        </p15:guide>
+      </p15:sldGuideLst>
+    </p:ext>
+  </p:extLst>
 </p:presentation>
 </file>
 
@@ -141,8 +161,8 @@
         </p:nvSpPr>
         <p:spPr>
           <a:xfrm>
-            <a:off x="685800" y="2130425"/>
-            <a:ext cx="7772400" cy="1470025"/>
+            <a:off x="914400" y="2130426"/>
+            <a:ext cx="10363200" cy="1470025"/>
           </a:xfrm>
         </p:spPr>
         <p:txBody>
@@ -169,8 +189,8 @@
         </p:nvSpPr>
         <p:spPr>
           <a:xfrm>
-            <a:off x="1371600" y="3886200"/>
-            <a:ext cx="6400800" cy="1752600"/>
+            <a:off x="1828800" y="3886200"/>
+            <a:ext cx="8534400" cy="1752600"/>
           </a:xfrm>
         </p:spPr>
         <p:txBody>
@@ -294,7 +314,7 @@
             <a:fld id="{B58346A3-476B-420F-A3E3-C27E26E5243C}" type="datetimeFigureOut">
               <a:rPr lang="zh-TW" altLang="en-US" smtClean="0"/>
               <a:pPr/>
-              <a:t>2018/4/15</a:t>
+              <a:t>2023/4/15</a:t>
             </a:fld>
             <a:endParaRPr lang="zh-TW" altLang="en-US"/>
           </a:p>
@@ -461,7 +481,7 @@
             <a:fld id="{B58346A3-476B-420F-A3E3-C27E26E5243C}" type="datetimeFigureOut">
               <a:rPr lang="zh-TW" altLang="en-US" smtClean="0"/>
               <a:pPr/>
-              <a:t>2018/4/15</a:t>
+              <a:t>2023/4/15</a:t>
             </a:fld>
             <a:endParaRPr lang="zh-TW" altLang="en-US"/>
           </a:p>
@@ -547,8 +567,8 @@
         </p:nvSpPr>
         <p:spPr>
           <a:xfrm>
-            <a:off x="6629400" y="274638"/>
-            <a:ext cx="2057400" cy="5851525"/>
+            <a:off x="8839200" y="274639"/>
+            <a:ext cx="2743200" cy="5851525"/>
           </a:xfrm>
         </p:spPr>
         <p:txBody>
@@ -575,8 +595,8 @@
         </p:nvSpPr>
         <p:spPr>
           <a:xfrm>
-            <a:off x="457200" y="274638"/>
-            <a:ext cx="6019800" cy="5851525"/>
+            <a:off x="609600" y="274639"/>
+            <a:ext cx="8026400" cy="5851525"/>
           </a:xfrm>
         </p:spPr>
         <p:txBody>
@@ -638,7 +658,7 @@
             <a:fld id="{B58346A3-476B-420F-A3E3-C27E26E5243C}" type="datetimeFigureOut">
               <a:rPr lang="zh-TW" altLang="en-US" smtClean="0"/>
               <a:pPr/>
-              <a:t>2018/4/15</a:t>
+              <a:t>2023/4/15</a:t>
             </a:fld>
             <a:endParaRPr lang="zh-TW" altLang="en-US"/>
           </a:p>
@@ -805,7 +825,7 @@
             <a:fld id="{B58346A3-476B-420F-A3E3-C27E26E5243C}" type="datetimeFigureOut">
               <a:rPr lang="zh-TW" altLang="en-US" smtClean="0"/>
               <a:pPr/>
-              <a:t>2018/4/15</a:t>
+              <a:t>2023/4/15</a:t>
             </a:fld>
             <a:endParaRPr lang="zh-TW" altLang="en-US"/>
           </a:p>
@@ -891,8 +911,8 @@
         </p:nvSpPr>
         <p:spPr>
           <a:xfrm>
-            <a:off x="722313" y="4406900"/>
-            <a:ext cx="7772400" cy="1362075"/>
+            <a:off x="963084" y="4406901"/>
+            <a:ext cx="10363200" cy="1362075"/>
           </a:xfrm>
         </p:spPr>
         <p:txBody>
@@ -923,8 +943,8 @@
         </p:nvSpPr>
         <p:spPr>
           <a:xfrm>
-            <a:off x="722313" y="2906713"/>
-            <a:ext cx="7772400" cy="1500187"/>
+            <a:off x="963084" y="2906713"/>
+            <a:ext cx="10363200" cy="1500187"/>
           </a:xfrm>
         </p:spPr>
         <p:txBody>
@@ -1048,7 +1068,7 @@
             <a:fld id="{B58346A3-476B-420F-A3E3-C27E26E5243C}" type="datetimeFigureOut">
               <a:rPr lang="zh-TW" altLang="en-US" smtClean="0"/>
               <a:pPr/>
-              <a:t>2018/4/15</a:t>
+              <a:t>2023/4/15</a:t>
             </a:fld>
             <a:endParaRPr lang="zh-TW" altLang="en-US"/>
           </a:p>
@@ -1157,8 +1177,8 @@
         </p:nvSpPr>
         <p:spPr>
           <a:xfrm>
-            <a:off x="457200" y="1600200"/>
-            <a:ext cx="4038600" cy="4525963"/>
+            <a:off x="609600" y="1600201"/>
+            <a:ext cx="5384800" cy="4525963"/>
           </a:xfrm>
         </p:spPr>
         <p:txBody>
@@ -1242,8 +1262,8 @@
         </p:nvSpPr>
         <p:spPr>
           <a:xfrm>
-            <a:off x="4648200" y="1600200"/>
-            <a:ext cx="4038600" cy="4525963"/>
+            <a:off x="6197600" y="1600201"/>
+            <a:ext cx="5384800" cy="4525963"/>
           </a:xfrm>
         </p:spPr>
         <p:txBody>
@@ -1333,7 +1353,7 @@
             <a:fld id="{B58346A3-476B-420F-A3E3-C27E26E5243C}" type="datetimeFigureOut">
               <a:rPr lang="zh-TW" altLang="en-US" smtClean="0"/>
               <a:pPr/>
-              <a:t>2018/4/15</a:t>
+              <a:t>2023/4/15</a:t>
             </a:fld>
             <a:endParaRPr lang="zh-TW" altLang="en-US"/>
           </a:p>
@@ -1446,8 +1466,8 @@
         </p:nvSpPr>
         <p:spPr>
           <a:xfrm>
-            <a:off x="457200" y="1535113"/>
-            <a:ext cx="4040188" cy="639762"/>
+            <a:off x="609600" y="1535113"/>
+            <a:ext cx="5386917" cy="639762"/>
           </a:xfrm>
         </p:spPr>
         <p:txBody>
@@ -1511,8 +1531,8 @@
         </p:nvSpPr>
         <p:spPr>
           <a:xfrm>
-            <a:off x="457200" y="2174875"/>
-            <a:ext cx="4040188" cy="3951288"/>
+            <a:off x="609600" y="2174875"/>
+            <a:ext cx="5386917" cy="3951288"/>
           </a:xfrm>
         </p:spPr>
         <p:txBody>
@@ -1596,8 +1616,8 @@
         </p:nvSpPr>
         <p:spPr>
           <a:xfrm>
-            <a:off x="4645025" y="1535113"/>
-            <a:ext cx="4041775" cy="639762"/>
+            <a:off x="6193368" y="1535113"/>
+            <a:ext cx="5389033" cy="639762"/>
           </a:xfrm>
         </p:spPr>
         <p:txBody>
@@ -1661,8 +1681,8 @@
         </p:nvSpPr>
         <p:spPr>
           <a:xfrm>
-            <a:off x="4645025" y="2174875"/>
-            <a:ext cx="4041775" cy="3951288"/>
+            <a:off x="6193368" y="2174875"/>
+            <a:ext cx="5389033" cy="3951288"/>
           </a:xfrm>
         </p:spPr>
         <p:txBody>
@@ -1752,7 +1772,7 @@
             <a:fld id="{B58346A3-476B-420F-A3E3-C27E26E5243C}" type="datetimeFigureOut">
               <a:rPr lang="zh-TW" altLang="en-US" smtClean="0"/>
               <a:pPr/>
-              <a:t>2018/4/15</a:t>
+              <a:t>2023/4/15</a:t>
             </a:fld>
             <a:endParaRPr lang="zh-TW" altLang="en-US"/>
           </a:p>
@@ -1867,7 +1887,7 @@
             <a:fld id="{B58346A3-476B-420F-A3E3-C27E26E5243C}" type="datetimeFigureOut">
               <a:rPr lang="zh-TW" altLang="en-US" smtClean="0"/>
               <a:pPr/>
-              <a:t>2018/4/15</a:t>
+              <a:t>2023/4/15</a:t>
             </a:fld>
             <a:endParaRPr lang="zh-TW" altLang="en-US"/>
           </a:p>
@@ -1959,7 +1979,7 @@
             <a:fld id="{B58346A3-476B-420F-A3E3-C27E26E5243C}" type="datetimeFigureOut">
               <a:rPr lang="zh-TW" altLang="en-US" smtClean="0"/>
               <a:pPr/>
-              <a:t>2018/4/15</a:t>
+              <a:t>2023/4/15</a:t>
             </a:fld>
             <a:endParaRPr lang="zh-TW" altLang="en-US"/>
           </a:p>
@@ -2045,8 +2065,8 @@
         </p:nvSpPr>
         <p:spPr>
           <a:xfrm>
-            <a:off x="457200" y="273050"/>
-            <a:ext cx="3008313" cy="1162050"/>
+            <a:off x="609601" y="273050"/>
+            <a:ext cx="4011084" cy="1162050"/>
           </a:xfrm>
         </p:spPr>
         <p:txBody>
@@ -2077,8 +2097,8 @@
         </p:nvSpPr>
         <p:spPr>
           <a:xfrm>
-            <a:off x="3575050" y="273050"/>
-            <a:ext cx="5111750" cy="5853113"/>
+            <a:off x="4766733" y="273051"/>
+            <a:ext cx="6815667" cy="5853113"/>
           </a:xfrm>
         </p:spPr>
         <p:txBody>
@@ -2162,8 +2182,8 @@
         </p:nvSpPr>
         <p:spPr>
           <a:xfrm>
-            <a:off x="457200" y="1435100"/>
-            <a:ext cx="3008313" cy="4691063"/>
+            <a:off x="609601" y="1435101"/>
+            <a:ext cx="4011084" cy="4691063"/>
           </a:xfrm>
         </p:spPr>
         <p:txBody>
@@ -2233,7 +2253,7 @@
             <a:fld id="{B58346A3-476B-420F-A3E3-C27E26E5243C}" type="datetimeFigureOut">
               <a:rPr lang="zh-TW" altLang="en-US" smtClean="0"/>
               <a:pPr/>
-              <a:t>2018/4/15</a:t>
+              <a:t>2023/4/15</a:t>
             </a:fld>
             <a:endParaRPr lang="zh-TW" altLang="en-US"/>
           </a:p>
@@ -2319,8 +2339,8 @@
         </p:nvSpPr>
         <p:spPr>
           <a:xfrm>
-            <a:off x="1792288" y="4800600"/>
-            <a:ext cx="5486400" cy="566738"/>
+            <a:off x="2389717" y="4800600"/>
+            <a:ext cx="7315200" cy="566738"/>
           </a:xfrm>
         </p:spPr>
         <p:txBody>
@@ -2351,8 +2371,8 @@
         </p:nvSpPr>
         <p:spPr>
           <a:xfrm>
-            <a:off x="1792288" y="612775"/>
-            <a:ext cx="5486400" cy="4114800"/>
+            <a:off x="2389717" y="612775"/>
+            <a:ext cx="7315200" cy="4114800"/>
           </a:xfrm>
         </p:spPr>
         <p:txBody>
@@ -2416,8 +2436,8 @@
         </p:nvSpPr>
         <p:spPr>
           <a:xfrm>
-            <a:off x="1792288" y="5367338"/>
-            <a:ext cx="5486400" cy="804862"/>
+            <a:off x="2389717" y="5367338"/>
+            <a:ext cx="7315200" cy="804862"/>
           </a:xfrm>
         </p:spPr>
         <p:txBody>
@@ -2487,7 +2507,7 @@
             <a:fld id="{B58346A3-476B-420F-A3E3-C27E26E5243C}" type="datetimeFigureOut">
               <a:rPr lang="zh-TW" altLang="en-US" smtClean="0"/>
               <a:pPr/>
-              <a:t>2018/4/15</a:t>
+              <a:t>2023/4/15</a:t>
             </a:fld>
             <a:endParaRPr lang="zh-TW" altLang="en-US"/>
           </a:p>
@@ -2583,8 +2603,8 @@
         </p:nvSpPr>
         <p:spPr>
           <a:xfrm>
-            <a:off x="457200" y="274638"/>
-            <a:ext cx="8229600" cy="1143000"/>
+            <a:off x="609600" y="274638"/>
+            <a:ext cx="10972800" cy="1143000"/>
           </a:xfrm>
           <a:prstGeom prst="rect">
             <a:avLst/>
@@ -2616,8 +2636,8 @@
         </p:nvSpPr>
         <p:spPr>
           <a:xfrm>
-            <a:off x="457200" y="1600200"/>
-            <a:ext cx="8229600" cy="4525963"/>
+            <a:off x="609600" y="1600201"/>
+            <a:ext cx="10972800" cy="4525963"/>
           </a:xfrm>
           <a:prstGeom prst="rect">
             <a:avLst/>
@@ -2678,8 +2698,8 @@
         </p:nvSpPr>
         <p:spPr>
           <a:xfrm>
-            <a:off x="457200" y="6356350"/>
-            <a:ext cx="2133600" cy="365125"/>
+            <a:off x="609600" y="6356351"/>
+            <a:ext cx="2844800" cy="365125"/>
           </a:xfrm>
           <a:prstGeom prst="rect">
             <a:avLst/>
@@ -2702,7 +2722,7 @@
             <a:fld id="{B58346A3-476B-420F-A3E3-C27E26E5243C}" type="datetimeFigureOut">
               <a:rPr lang="zh-TW" altLang="en-US" smtClean="0"/>
               <a:pPr/>
-              <a:t>2018/4/15</a:t>
+              <a:t>2023/4/15</a:t>
             </a:fld>
             <a:endParaRPr lang="zh-TW" altLang="en-US"/>
           </a:p>
@@ -2720,8 +2740,8 @@
         </p:nvSpPr>
         <p:spPr>
           <a:xfrm>
-            <a:off x="3124200" y="6356350"/>
-            <a:ext cx="2895600" cy="365125"/>
+            <a:off x="4165600" y="6356351"/>
+            <a:ext cx="3860800" cy="365125"/>
           </a:xfrm>
           <a:prstGeom prst="rect">
             <a:avLst/>
@@ -2757,8 +2777,8 @@
         </p:nvSpPr>
         <p:spPr>
           <a:xfrm>
-            <a:off x="6553200" y="6356350"/>
-            <a:ext cx="2133600" cy="365125"/>
+            <a:off x="8737600" y="6356351"/>
+            <a:ext cx="2844800" cy="365125"/>
           </a:xfrm>
           <a:prstGeom prst="rect">
             <a:avLst/>
@@ -3083,6 +3103,95 @@
             <p:ph type="title"/>
           </p:nvPr>
         </p:nvSpPr>
+        <p:spPr>
+          <a:xfrm>
+            <a:off x="0" y="2660915"/>
+            <a:ext cx="12192000" cy="1143000"/>
+          </a:xfrm>
+        </p:spPr>
+        <p:txBody>
+          <a:bodyPr>
+            <a:noAutofit/>
+          </a:bodyPr>
+          <a:lstStyle/>
+          <a:p>
+            <a:r>
+              <a:rPr lang="zh-TW" altLang="en-US" sz="7200" b="1" i="1" dirty="0">
+                <a:solidFill>
+                  <a:srgbClr val="660033"/>
+                </a:solidFill>
+                <a:effectLst>
+                  <a:outerShdw blurRad="38100" dist="38100" dir="2700000" algn="tl">
+                    <a:srgbClr val="000000">
+                      <a:alpha val="43137"/>
+                    </a:srgbClr>
+                  </a:outerShdw>
+                </a:effectLst>
+                <a:latin typeface="微軟正黑體" pitchFamily="34" charset="-120"/>
+                <a:ea typeface="微軟正黑體" pitchFamily="34" charset="-120"/>
+              </a:rPr>
+              <a:t>惟</a:t>
+            </a:r>
+            <a:r>
+              <a:rPr lang="zh-TW" altLang="en-US" sz="7200" b="1" i="1" dirty="0">
+                <a:solidFill>
+                  <a:srgbClr val="660033"/>
+                </a:solidFill>
+                <a:effectLst>
+                  <a:outerShdw blurRad="38100" dist="38100" dir="2700000" algn="tl">
+                    <a:srgbClr val="000000">
+                      <a:alpha val="43137"/>
+                    </a:srgbClr>
+                  </a:outerShdw>
+                </a:effectLst>
+                <a:latin typeface="微軟正黑體" pitchFamily="34" charset="-120"/>
+                <a:ea typeface="微軟正黑體" pitchFamily="34" charset="-120"/>
+              </a:rPr>
+              <a:t>有主愛充滿在我心</a:t>
+            </a:r>
+          </a:p>
+        </p:txBody>
+      </p:sp>
+    </p:spTree>
+    <p:extLst>
+      <p:ext uri="{BB962C8B-B14F-4D97-AF65-F5344CB8AC3E}">
+        <p14:creationId xmlns:p14="http://schemas.microsoft.com/office/powerpoint/2010/main" val="1322983625"/>
+      </p:ext>
+    </p:extLst>
+  </p:cSld>
+  <p:clrMapOvr>
+    <a:masterClrMapping/>
+  </p:clrMapOvr>
+</p:sld>
+</file>
+
+<file path=ppt/slides/slide10.xml><?xml version="1.0" encoding="utf-8"?>
+<p:sld xmlns:a="http://schemas.openxmlformats.org/drawingml/2006/main" xmlns:r="http://schemas.openxmlformats.org/officeDocument/2006/relationships" xmlns:p="http://schemas.openxmlformats.org/presentationml/2006/main">
+  <p:cSld>
+    <p:spTree>
+      <p:nvGrpSpPr>
+        <p:cNvPr id="1" name=""/>
+        <p:cNvGrpSpPr/>
+        <p:nvPr/>
+      </p:nvGrpSpPr>
+      <p:grpSpPr>
+        <a:xfrm>
+          <a:off x="0" y="0"/>
+          <a:ext cx="0" cy="0"/>
+          <a:chOff x="0" y="0"/>
+          <a:chExt cx="0" cy="0"/>
+        </a:xfrm>
+      </p:grpSpPr>
+      <p:sp>
+        <p:nvSpPr>
+          <p:cNvPr id="4" name="標題 3"/>
+          <p:cNvSpPr>
+            <a:spLocks noGrp="1"/>
+          </p:cNvSpPr>
+          <p:nvPr>
+            <p:ph type="title"/>
+          </p:nvPr>
+        </p:nvSpPr>
         <p:spPr/>
         <p:txBody>
           <a:bodyPr>
@@ -3091,32 +3200,42 @@
           <a:lstStyle/>
           <a:p>
             <a:r>
-              <a:rPr lang="zh-TW" altLang="en-US" b="1" dirty="0">
-                <a:solidFill>
-                  <a:srgbClr val="660033"/>
-                </a:solidFill>
-                <a:latin typeface="微軟正黑體" pitchFamily="34" charset="-120"/>
-                <a:ea typeface="微軟正黑體" pitchFamily="34" charset="-120"/>
-              </a:rPr>
-              <a:t>惟有主愛充滿在我</a:t>
-            </a:r>
-            <a:r>
-              <a:rPr lang="zh-TW" altLang="en-US" b="1" dirty="0" smtClean="0">
-                <a:solidFill>
-                  <a:srgbClr val="660033"/>
-                </a:solidFill>
-                <a:latin typeface="微軟正黑體" pitchFamily="34" charset="-120"/>
-                <a:ea typeface="微軟正黑體" pitchFamily="34" charset="-120"/>
-              </a:rPr>
-              <a:t>心</a:t>
-            </a:r>
-            <a:endParaRPr lang="zh-TW" altLang="en-US" b="1" dirty="0">
-              <a:solidFill>
-                <a:srgbClr val="660033"/>
-              </a:solidFill>
-              <a:latin typeface="微軟正黑體" pitchFamily="34" charset="-120"/>
-              <a:ea typeface="微軟正黑體" pitchFamily="34" charset="-120"/>
-            </a:endParaRPr>
+              <a:rPr lang="en-US" b="1" dirty="0" err="1"/>
+              <a:t>Tình</a:t>
+            </a:r>
+            <a:r>
+              <a:rPr lang="en-US" b="1" dirty="0"/>
+              <a:t> </a:t>
+            </a:r>
+            <a:r>
+              <a:rPr lang="en-US" b="1" dirty="0" err="1"/>
+              <a:t>Chúa</a:t>
+            </a:r>
+            <a:r>
+              <a:rPr lang="en-US" b="1" dirty="0"/>
+              <a:t> </a:t>
+            </a:r>
+            <a:r>
+              <a:rPr lang="en-US" b="1" dirty="0" err="1"/>
+              <a:t>Mãi</a:t>
+            </a:r>
+            <a:r>
+              <a:rPr lang="en-US" b="1" dirty="0"/>
+              <a:t> </a:t>
+            </a:r>
+            <a:r>
+              <a:rPr lang="en-US" b="1" dirty="0" err="1"/>
+              <a:t>Trong</a:t>
+            </a:r>
+            <a:r>
+              <a:rPr lang="en-US" b="1" dirty="0"/>
+              <a:t> </a:t>
+            </a:r>
+            <a:r>
+              <a:rPr lang="en-US" b="1" dirty="0" err="1"/>
+              <a:t>Tôi</a:t>
+            </a:r>
+            <a:endParaRPr lang="zh-TW" altLang="en-US" dirty="0"/>
           </a:p>
         </p:txBody>
       </p:sp>
@@ -3130,7 +3249,12 @@
             <p:ph idx="1"/>
           </p:nvPr>
         </p:nvSpPr>
-        <p:spPr/>
+        <p:spPr>
+          <a:xfrm>
+            <a:off x="1524000" y="1600201"/>
+            <a:ext cx="9144000" cy="4525963"/>
+          </a:xfrm>
+        </p:spPr>
         <p:txBody>
           <a:bodyPr>
             <a:noAutofit/>
@@ -3141,129 +3265,301 @@
               <a:buNone/>
             </a:pPr>
             <a:r>
-              <a:rPr lang="zh-TW" altLang="en-US" sz="5400" b="1" dirty="0">
-                <a:solidFill>
-                  <a:srgbClr val="660033"/>
-                </a:solidFill>
-                <a:latin typeface="微軟正黑體" pitchFamily="34" charset="-120"/>
-                <a:ea typeface="微軟正黑體" pitchFamily="34" charset="-120"/>
-              </a:rPr>
-              <a:t>惟有主愛充滿在我</a:t>
-            </a:r>
-            <a:r>
-              <a:rPr lang="zh-TW" altLang="en-US" sz="5400" b="1" dirty="0" smtClean="0">
-                <a:solidFill>
-                  <a:srgbClr val="660033"/>
-                </a:solidFill>
-                <a:latin typeface="微軟正黑體" pitchFamily="34" charset="-120"/>
-                <a:ea typeface="微軟正黑體" pitchFamily="34" charset="-120"/>
-              </a:rPr>
-              <a:t>心</a:t>
-            </a:r>
-            <a:endParaRPr lang="en-US" altLang="zh-TW" sz="5400" b="1" dirty="0" smtClean="0">
-              <a:solidFill>
-                <a:srgbClr val="660033"/>
-              </a:solidFill>
-              <a:latin typeface="微軟正黑體" pitchFamily="34" charset="-120"/>
-              <a:ea typeface="微軟正黑體" pitchFamily="34" charset="-120"/>
-            </a:endParaRPr>
+              <a:rPr lang="en-US" sz="3600" dirty="0" err="1"/>
+              <a:t>Mọi</a:t>
+            </a:r>
+            <a:r>
+              <a:rPr lang="en-US" sz="3600" dirty="0"/>
+              <a:t> </a:t>
+            </a:r>
+            <a:r>
+              <a:rPr lang="en-US" sz="3600" dirty="0" err="1"/>
+              <a:t>ân</a:t>
+            </a:r>
+            <a:r>
+              <a:rPr lang="en-US" sz="3600" dirty="0"/>
+              <a:t> </a:t>
+            </a:r>
+            <a:r>
+              <a:rPr lang="en-US" sz="3600" dirty="0" err="1"/>
+              <a:t>điển</a:t>
+            </a:r>
+            <a:r>
+              <a:rPr lang="en-US" sz="3600" dirty="0"/>
+              <a:t> </a:t>
+            </a:r>
+            <a:r>
+              <a:rPr lang="en-US" sz="3600" dirty="0" err="1"/>
+              <a:t>Chúa</a:t>
+            </a:r>
+            <a:r>
+              <a:rPr lang="en-US" sz="3600" dirty="0"/>
+              <a:t> </a:t>
+            </a:r>
+            <a:r>
+              <a:rPr lang="en-US" sz="3600" dirty="0" err="1"/>
+              <a:t>đổ</a:t>
+            </a:r>
+            <a:r>
+              <a:rPr lang="en-US" sz="3600" dirty="0"/>
+              <a:t> </a:t>
+            </a:r>
+            <a:r>
+              <a:rPr lang="en-US" sz="3600" dirty="0" err="1"/>
+              <a:t>xuống</a:t>
+            </a:r>
+            <a:r>
+              <a:rPr lang="en-US" sz="3600" dirty="0"/>
+              <a:t> </a:t>
+            </a:r>
+            <a:r>
+              <a:rPr lang="en-US" sz="3600" dirty="0" err="1"/>
+              <a:t>cho</a:t>
+            </a:r>
+            <a:r>
+              <a:rPr lang="en-US" sz="3600" dirty="0"/>
+              <a:t> </a:t>
+            </a:r>
+            <a:r>
+              <a:rPr lang="en-US" sz="3600" dirty="0" err="1"/>
+              <a:t>đời</a:t>
+            </a:r>
+            <a:r>
+              <a:rPr lang="en-US" sz="3600" dirty="0"/>
+              <a:t> </a:t>
+            </a:r>
+            <a:r>
+              <a:rPr lang="en-US" sz="3600" dirty="0"/>
+              <a:t>con</a:t>
+            </a:r>
           </a:p>
           <a:p>
             <a:pPr algn="ctr">
               <a:buNone/>
             </a:pPr>
             <a:r>
-              <a:rPr lang="zh-TW" altLang="en-US" sz="5400" b="1" dirty="0" smtClean="0">
-                <a:solidFill>
-                  <a:srgbClr val="660033"/>
-                </a:solidFill>
-                <a:latin typeface="微軟正黑體" pitchFamily="34" charset="-120"/>
-                <a:ea typeface="微軟正黑體" pitchFamily="34" charset="-120"/>
-              </a:rPr>
-              <a:t>我</a:t>
-            </a:r>
-            <a:r>
-              <a:rPr lang="zh-TW" altLang="en-US" sz="5400" b="1" dirty="0">
-                <a:solidFill>
-                  <a:srgbClr val="660033"/>
-                </a:solidFill>
-                <a:latin typeface="微軟正黑體" pitchFamily="34" charset="-120"/>
-                <a:ea typeface="微軟正黑體" pitchFamily="34" charset="-120"/>
-              </a:rPr>
-              <a:t>的心靈喜樂讚美主 </a:t>
-            </a:r>
+              <a:rPr lang="en-US" sz="3600" dirty="0" err="1"/>
+              <a:t>Trào</a:t>
+            </a:r>
+            <a:r>
+              <a:rPr lang="en-US" sz="3600" dirty="0"/>
+              <a:t> </a:t>
+            </a:r>
+            <a:r>
+              <a:rPr lang="en-US" sz="3600" dirty="0" err="1"/>
+              <a:t>dâng</a:t>
+            </a:r>
+            <a:r>
+              <a:rPr lang="en-US" sz="3600" dirty="0"/>
+              <a:t> </a:t>
+            </a:r>
+            <a:r>
+              <a:rPr lang="en-US" sz="3600" dirty="0" err="1"/>
+              <a:t>nói</a:t>
+            </a:r>
+            <a:r>
+              <a:rPr lang="en-US" sz="3600" dirty="0"/>
+              <a:t> </a:t>
+            </a:r>
+            <a:r>
+              <a:rPr lang="en-US" sz="3600" dirty="0" err="1"/>
+              <a:t>sao</a:t>
+            </a:r>
+            <a:r>
+              <a:rPr lang="en-US" sz="3600" dirty="0"/>
+              <a:t> </a:t>
+            </a:r>
+            <a:r>
+              <a:rPr lang="en-US" sz="3600" dirty="0" err="1"/>
+              <a:t>không</a:t>
+            </a:r>
+            <a:r>
+              <a:rPr lang="en-US" sz="3600" dirty="0"/>
+              <a:t> </a:t>
+            </a:r>
+            <a:r>
+              <a:rPr lang="en-US" sz="3600" dirty="0" err="1"/>
+              <a:t>nên</a:t>
+            </a:r>
+            <a:r>
+              <a:rPr lang="en-US" sz="3600" dirty="0"/>
+              <a:t> </a:t>
+            </a:r>
+            <a:r>
+              <a:rPr lang="en-US" sz="3600" dirty="0" err="1"/>
+              <a:t>lời</a:t>
+            </a:r>
+            <a:endParaRPr lang="en-US" sz="3600" dirty="0"/>
           </a:p>
           <a:p>
             <a:pPr algn="ctr">
               <a:buNone/>
             </a:pPr>
             <a:r>
-              <a:rPr lang="zh-TW" altLang="en-US" sz="5400" b="1" dirty="0">
-                <a:solidFill>
-                  <a:srgbClr val="660033"/>
-                </a:solidFill>
-                <a:latin typeface="微軟正黑體" pitchFamily="34" charset="-120"/>
-                <a:ea typeface="微軟正黑體" pitchFamily="34" charset="-120"/>
-              </a:rPr>
-              <a:t>在此盼望之</a:t>
-            </a:r>
-            <a:r>
-              <a:rPr lang="zh-TW" altLang="en-US" sz="5400" b="1" dirty="0" smtClean="0">
-                <a:solidFill>
-                  <a:srgbClr val="660033"/>
-                </a:solidFill>
-                <a:latin typeface="微軟正黑體" pitchFamily="34" charset="-120"/>
-                <a:ea typeface="微軟正黑體" pitchFamily="34" charset="-120"/>
-              </a:rPr>
-              <a:t>地</a:t>
-            </a:r>
-            <a:endParaRPr lang="en-US" altLang="zh-TW" sz="5400" b="1" dirty="0" smtClean="0">
-              <a:solidFill>
-                <a:srgbClr val="660033"/>
-              </a:solidFill>
-              <a:latin typeface="微軟正黑體" pitchFamily="34" charset="-120"/>
-              <a:ea typeface="微軟正黑體" pitchFamily="34" charset="-120"/>
-            </a:endParaRPr>
+              <a:rPr lang="en-US" sz="3600" dirty="0" err="1"/>
+              <a:t>Lòng</a:t>
+            </a:r>
+            <a:r>
+              <a:rPr lang="en-US" sz="3600" dirty="0"/>
+              <a:t> </a:t>
+            </a:r>
+            <a:r>
+              <a:rPr lang="en-US" sz="3600" dirty="0" err="1"/>
+              <a:t>vui</a:t>
+            </a:r>
+            <a:r>
+              <a:rPr lang="en-US" sz="3600" dirty="0"/>
+              <a:t> </a:t>
+            </a:r>
+            <a:r>
+              <a:rPr lang="en-US" sz="3600" dirty="0" err="1"/>
+              <a:t>sướng</a:t>
+            </a:r>
+            <a:r>
+              <a:rPr lang="en-US" sz="3600" dirty="0"/>
+              <a:t> </a:t>
+            </a:r>
+            <a:r>
+              <a:rPr lang="en-US" sz="3600" dirty="0" err="1"/>
+              <a:t>quá</a:t>
+            </a:r>
+            <a:r>
+              <a:rPr lang="en-US" sz="3600" dirty="0"/>
+              <a:t> </a:t>
+            </a:r>
+            <a:r>
+              <a:rPr lang="en-US" sz="3600" dirty="0" err="1"/>
+              <a:t>Chúa</a:t>
+            </a:r>
+            <a:r>
+              <a:rPr lang="en-US" sz="3600" dirty="0"/>
+              <a:t> </a:t>
+            </a:r>
+            <a:r>
+              <a:rPr lang="en-US" sz="3600" dirty="0" err="1"/>
+              <a:t>ơi</a:t>
+            </a:r>
+            <a:endParaRPr lang="en-US" sz="3600" dirty="0"/>
           </a:p>
           <a:p>
             <a:pPr algn="ctr">
               <a:buNone/>
             </a:pPr>
             <a:r>
-              <a:rPr lang="zh-TW" altLang="en-US" sz="5400" b="1" dirty="0" smtClean="0">
-                <a:solidFill>
-                  <a:srgbClr val="660033"/>
-                </a:solidFill>
-                <a:latin typeface="微軟正黑體" pitchFamily="34" charset="-120"/>
-                <a:ea typeface="微軟正黑體" pitchFamily="34" charset="-120"/>
-              </a:rPr>
-              <a:t>充滿</a:t>
-            </a:r>
-            <a:r>
-              <a:rPr lang="zh-TW" altLang="en-US" sz="5400" b="1" dirty="0">
-                <a:solidFill>
-                  <a:srgbClr val="660033"/>
-                </a:solidFill>
-                <a:latin typeface="微軟正黑體" pitchFamily="34" charset="-120"/>
-                <a:ea typeface="微軟正黑體" pitchFamily="34" charset="-120"/>
-              </a:rPr>
-              <a:t>喜樂之地 </a:t>
-            </a:r>
+              <a:rPr lang="en-US" sz="3600" dirty="0"/>
+              <a:t>Con </a:t>
+            </a:r>
+            <a:r>
+              <a:rPr lang="en-US" sz="3600" dirty="0" err="1"/>
+              <a:t>quyết</a:t>
+            </a:r>
+            <a:r>
+              <a:rPr lang="en-US" sz="3600" dirty="0"/>
+              <a:t> </a:t>
+            </a:r>
+            <a:r>
+              <a:rPr lang="en-US" sz="3600" dirty="0" err="1"/>
+              <a:t>bước</a:t>
+            </a:r>
+            <a:r>
+              <a:rPr lang="en-US" sz="3600" dirty="0"/>
+              <a:t> </a:t>
+            </a:r>
+            <a:r>
+              <a:rPr lang="en-US" sz="3600" dirty="0" err="1"/>
+              <a:t>đi</a:t>
+            </a:r>
+            <a:r>
+              <a:rPr lang="en-US" sz="3600" dirty="0"/>
+              <a:t> </a:t>
+            </a:r>
+            <a:r>
+              <a:rPr lang="en-US" sz="3600" dirty="0" err="1"/>
+              <a:t>mãi</a:t>
+            </a:r>
+            <a:r>
+              <a:rPr lang="en-US" sz="3600" dirty="0"/>
+              <a:t> </a:t>
+            </a:r>
+            <a:r>
+              <a:rPr lang="en-US" sz="3600" dirty="0" err="1"/>
+              <a:t>với</a:t>
+            </a:r>
+            <a:r>
+              <a:rPr lang="en-US" sz="3600" dirty="0"/>
+              <a:t> </a:t>
+            </a:r>
+            <a:r>
+              <a:rPr lang="en-US" sz="3600" dirty="0" err="1"/>
+              <a:t>Ngài</a:t>
+            </a:r>
+            <a:endParaRPr lang="zh-TW" altLang="en-US" sz="3600" dirty="0"/>
           </a:p>
           <a:p>
             <a:pPr algn="ctr">
               <a:buNone/>
             </a:pPr>
             <a:r>
-              <a:rPr lang="zh-TW" altLang="en-US" sz="5400" b="1" dirty="0">
-                <a:solidFill>
-                  <a:srgbClr val="660033"/>
-                </a:solidFill>
-                <a:latin typeface="微軟正黑體" pitchFamily="34" charset="-120"/>
-                <a:ea typeface="微軟正黑體" pitchFamily="34" charset="-120"/>
-              </a:rPr>
-              <a:t>向主獻上我的愛</a:t>
-            </a:r>
+              <a:rPr lang="en-US" sz="3600" dirty="0" err="1"/>
+              <a:t>Dâng</a:t>
+            </a:r>
+            <a:r>
+              <a:rPr lang="en-US" sz="3600" dirty="0"/>
+              <a:t> </a:t>
+            </a:r>
+            <a:r>
+              <a:rPr lang="en-US" sz="3600" dirty="0" err="1"/>
+              <a:t>trọn</a:t>
+            </a:r>
+            <a:r>
+              <a:rPr lang="en-US" sz="3600" dirty="0"/>
+              <a:t> </a:t>
+            </a:r>
+            <a:r>
+              <a:rPr lang="en-US" sz="3600" dirty="0" err="1"/>
+              <a:t>đời</a:t>
+            </a:r>
+            <a:r>
+              <a:rPr lang="en-US" sz="3600" dirty="0"/>
+              <a:t> </a:t>
+            </a:r>
+            <a:r>
+              <a:rPr lang="en-US" sz="3600" dirty="0" err="1"/>
+              <a:t>trong</a:t>
+            </a:r>
+            <a:r>
+              <a:rPr lang="en-US" sz="3600" dirty="0"/>
+              <a:t> </a:t>
+            </a:r>
+            <a:r>
+              <a:rPr lang="en-US" sz="3600" dirty="0" err="1"/>
+              <a:t>cánh</a:t>
+            </a:r>
+            <a:r>
+              <a:rPr lang="en-US" sz="3600" dirty="0"/>
+              <a:t> </a:t>
+            </a:r>
+            <a:r>
+              <a:rPr lang="en-US" sz="3600" dirty="0" err="1"/>
+              <a:t>tay</a:t>
+            </a:r>
+            <a:r>
+              <a:rPr lang="en-US" sz="3600" dirty="0"/>
+              <a:t> </a:t>
+            </a:r>
+            <a:r>
+              <a:rPr lang="en-US" sz="3600" dirty="0" err="1"/>
+              <a:t>của</a:t>
+            </a:r>
+            <a:r>
+              <a:rPr lang="en-US" sz="3600" dirty="0"/>
+              <a:t> </a:t>
+            </a:r>
+            <a:r>
+              <a:rPr lang="en-US" sz="3600" dirty="0" err="1"/>
+              <a:t>Ngài</a:t>
+            </a:r>
+            <a:endParaRPr lang="zh-TW" altLang="en-US" sz="3600" dirty="0"/>
           </a:p>
         </p:txBody>
       </p:sp>
@@ -3294,42 +3590,62 @@
       </p:grpSpPr>
       <p:sp>
         <p:nvSpPr>
-          <p:cNvPr id="4" name="標題 3"/>
-          <p:cNvSpPr>
-            <a:spLocks noGrp="1"/>
-          </p:cNvSpPr>
-          <p:nvPr>
-            <p:ph type="title"/>
-          </p:nvPr>
-        </p:nvSpPr>
-        <p:spPr/>
-        <p:txBody>
-          <a:bodyPr>
+          <p:cNvPr id="5" name="內容版面配置區 4"/>
+          <p:cNvSpPr>
+            <a:spLocks noGrp="1"/>
+          </p:cNvSpPr>
+          <p:nvPr>
+            <p:ph idx="1"/>
+          </p:nvPr>
+        </p:nvSpPr>
+        <p:spPr>
+          <a:xfrm>
+            <a:off x="0" y="2084851"/>
+            <a:ext cx="12192000" cy="2404863"/>
+          </a:xfrm>
+        </p:spPr>
+        <p:txBody>
+          <a:bodyPr anchor="ctr">
             <a:normAutofit/>
           </a:bodyPr>
           <a:lstStyle/>
           <a:p>
-            <a:r>
-              <a:rPr lang="zh-TW" altLang="en-US" b="1" dirty="0">
+            <a:pPr algn="ctr">
+              <a:buNone/>
+            </a:pPr>
+            <a:r>
+              <a:rPr lang="zh-TW" altLang="en-US" sz="6400" b="1" dirty="0">
                 <a:solidFill>
                   <a:srgbClr val="660033"/>
                 </a:solidFill>
                 <a:latin typeface="微軟正黑體" pitchFamily="34" charset="-120"/>
                 <a:ea typeface="微軟正黑體" pitchFamily="34" charset="-120"/>
               </a:rPr>
-              <a:t>惟有主愛充滿在我</a:t>
-            </a:r>
-            <a:r>
-              <a:rPr lang="zh-TW" altLang="en-US" b="1" dirty="0" smtClean="0">
+              <a:t>惟有主愛充滿在我心</a:t>
+            </a:r>
+            <a:endParaRPr lang="en-US" altLang="zh-TW" sz="6400" b="1" dirty="0">
+              <a:solidFill>
+                <a:srgbClr val="660033"/>
+              </a:solidFill>
+              <a:latin typeface="微軟正黑體" pitchFamily="34" charset="-120"/>
+              <a:ea typeface="微軟正黑體" pitchFamily="34" charset="-120"/>
+            </a:endParaRPr>
+          </a:p>
+          <a:p>
+            <a:pPr algn="ctr">
+              <a:buNone/>
+            </a:pPr>
+            <a:r>
+              <a:rPr lang="zh-TW" altLang="en-US" sz="6400" b="1" dirty="0">
                 <a:solidFill>
                   <a:srgbClr val="660033"/>
                 </a:solidFill>
                 <a:latin typeface="微軟正黑體" pitchFamily="34" charset="-120"/>
                 <a:ea typeface="微軟正黑體" pitchFamily="34" charset="-120"/>
               </a:rPr>
-              <a:t>心</a:t>
-            </a:r>
-            <a:endParaRPr lang="zh-TW" altLang="en-US" b="1" dirty="0">
+              <a:t>我的心靈喜樂讚美主</a:t>
+            </a:r>
+            <a:endParaRPr lang="en-US" altLang="zh-TW" sz="6400" b="1" dirty="0">
               <a:solidFill>
                 <a:srgbClr val="660033"/>
               </a:solidFill>
@@ -3341,152 +3657,72 @@
       </p:sp>
       <p:sp>
         <p:nvSpPr>
-          <p:cNvPr id="5" name="內容版面配置區 4"/>
-          <p:cNvSpPr>
-            <a:spLocks noGrp="1"/>
-          </p:cNvSpPr>
-          <p:nvPr>
-            <p:ph idx="1"/>
-          </p:nvPr>
-        </p:nvSpPr>
-        <p:spPr/>
-        <p:txBody>
-          <a:bodyPr>
-            <a:noAutofit/>
+          <p:cNvPr id="3" name="TextBox 2"/>
+          <p:cNvSpPr txBox="1"/>
+          <p:nvPr/>
+        </p:nvSpPr>
+        <p:spPr>
+          <a:xfrm>
+            <a:off x="0" y="5157192"/>
+            <a:ext cx="12192000" cy="666786"/>
+          </a:xfrm>
+          <a:prstGeom prst="rect">
+            <a:avLst/>
+          </a:prstGeom>
+          <a:noFill/>
+        </p:spPr>
+        <p:txBody>
+          <a:bodyPr wrap="square" rtlCol="0">
+            <a:spAutoFit/>
           </a:bodyPr>
           <a:lstStyle/>
           <a:p>
-            <a:pPr algn="ctr">
-              <a:buNone/>
-            </a:pPr>
-            <a:r>
-              <a:rPr lang="zh-TW" altLang="en-US" sz="5400" b="1" dirty="0">
+            <a:pPr algn="ctr"/>
+            <a:r>
+              <a:rPr lang="en-US" sz="3733" b="1" dirty="0">
                 <a:solidFill>
                   <a:srgbClr val="660033"/>
                 </a:solidFill>
-                <a:latin typeface="微軟正黑體" pitchFamily="34" charset="-120"/>
-                <a:ea typeface="微軟正黑體" pitchFamily="34" charset="-120"/>
+                <a:latin typeface="Microsoft JhengHei" panose="020B0604030504040204" pitchFamily="34" charset="-120"/>
+                <a:ea typeface="Microsoft JhengHei" panose="020B0604030504040204" pitchFamily="34" charset="-120"/>
               </a:rPr>
-              <a:t>惟獨主的同在充滿</a:t>
-            </a:r>
-            <a:r>
-              <a:rPr lang="zh-TW" altLang="en-US" sz="5400" b="1" dirty="0" smtClean="0">
+              <a:t>( </a:t>
+            </a:r>
+            <a:r>
+              <a:rPr lang="zh-CN" altLang="en-US" sz="3733" b="1" dirty="0">
                 <a:solidFill>
                   <a:srgbClr val="660033"/>
                 </a:solidFill>
-                <a:latin typeface="微軟正黑體" pitchFamily="34" charset="-120"/>
-                <a:ea typeface="微軟正黑體" pitchFamily="34" charset="-120"/>
+                <a:latin typeface="Microsoft JhengHei" panose="020B0604030504040204" pitchFamily="34" charset="-120"/>
+                <a:ea typeface="Microsoft JhengHei" panose="020B0604030504040204" pitchFamily="34" charset="-120"/>
               </a:rPr>
-              <a:t>我</a:t>
-            </a:r>
-            <a:endParaRPr lang="en-US" altLang="zh-TW" sz="5400" b="1" dirty="0" smtClean="0">
+              <a:t>正</a:t>
+            </a:r>
+            <a:r>
+              <a:rPr lang="en-US" sz="3733" b="1" dirty="0">
+                <a:solidFill>
+                  <a:srgbClr val="660033"/>
+                </a:solidFill>
+                <a:latin typeface="Microsoft JhengHei" panose="020B0604030504040204" pitchFamily="34" charset="-120"/>
+                <a:ea typeface="Microsoft JhengHei" panose="020B0604030504040204" pitchFamily="34" charset="-120"/>
+              </a:rPr>
+              <a:t> )</a:t>
+            </a:r>
+            <a:endParaRPr lang="vi-VN" sz="3733" b="1" dirty="0">
               <a:solidFill>
                 <a:srgbClr val="660033"/>
               </a:solidFill>
-              <a:latin typeface="微軟正黑體" pitchFamily="34" charset="-120"/>
-              <a:ea typeface="微軟正黑體" pitchFamily="34" charset="-120"/>
+              <a:ea typeface="Microsoft JhengHei" panose="020B0604030504040204" pitchFamily="34" charset="-120"/>
             </a:endParaRPr>
           </a:p>
-          <a:p>
-            <a:pPr algn="ctr">
-              <a:buNone/>
-            </a:pPr>
-            <a:r>
-              <a:rPr lang="zh-TW" altLang="en-US" sz="5400" b="1" dirty="0" smtClean="0">
-                <a:solidFill>
-                  <a:srgbClr val="660033"/>
-                </a:solidFill>
-                <a:latin typeface="微軟正黑體" pitchFamily="34" charset="-120"/>
-                <a:ea typeface="微軟正黑體" pitchFamily="34" charset="-120"/>
-              </a:rPr>
-              <a:t>我</a:t>
-            </a:r>
-            <a:r>
-              <a:rPr lang="zh-TW" altLang="en-US" sz="5400" b="1" dirty="0">
-                <a:solidFill>
-                  <a:srgbClr val="660033"/>
-                </a:solidFill>
-                <a:latin typeface="微軟正黑體" pitchFamily="34" charset="-120"/>
-                <a:ea typeface="微軟正黑體" pitchFamily="34" charset="-120"/>
-              </a:rPr>
-              <a:t>的心靈讚美主聖名 </a:t>
-            </a:r>
-          </a:p>
-          <a:p>
-            <a:pPr algn="ctr">
-              <a:buNone/>
-            </a:pPr>
-            <a:r>
-              <a:rPr lang="zh-TW" altLang="en-US" sz="5400" b="1" dirty="0">
-                <a:solidFill>
-                  <a:srgbClr val="660033"/>
-                </a:solidFill>
-                <a:latin typeface="微軟正黑體" pitchFamily="34" charset="-120"/>
-                <a:ea typeface="微軟正黑體" pitchFamily="34" charset="-120"/>
-              </a:rPr>
-              <a:t>在此盼望之</a:t>
-            </a:r>
-            <a:r>
-              <a:rPr lang="zh-TW" altLang="en-US" sz="5400" b="1" dirty="0" smtClean="0">
-                <a:solidFill>
-                  <a:srgbClr val="660033"/>
-                </a:solidFill>
-                <a:latin typeface="微軟正黑體" pitchFamily="34" charset="-120"/>
-                <a:ea typeface="微軟正黑體" pitchFamily="34" charset="-120"/>
-              </a:rPr>
-              <a:t>地</a:t>
-            </a:r>
-            <a:endParaRPr lang="en-US" altLang="zh-TW" sz="5400" b="1" dirty="0" smtClean="0">
-              <a:solidFill>
-                <a:srgbClr val="660033"/>
-              </a:solidFill>
-              <a:latin typeface="微軟正黑體" pitchFamily="34" charset="-120"/>
-              <a:ea typeface="微軟正黑體" pitchFamily="34" charset="-120"/>
-            </a:endParaRPr>
-          </a:p>
-          <a:p>
-            <a:pPr algn="ctr">
-              <a:buNone/>
-            </a:pPr>
-            <a:r>
-              <a:rPr lang="zh-TW" altLang="en-US" sz="5400" b="1" dirty="0" smtClean="0">
-                <a:solidFill>
-                  <a:srgbClr val="660033"/>
-                </a:solidFill>
-                <a:latin typeface="微軟正黑體" pitchFamily="34" charset="-120"/>
-                <a:ea typeface="微軟正黑體" pitchFamily="34" charset="-120"/>
-              </a:rPr>
-              <a:t>榮耀</a:t>
-            </a:r>
-            <a:r>
-              <a:rPr lang="zh-TW" altLang="en-US" sz="5400" b="1" dirty="0">
-                <a:solidFill>
-                  <a:srgbClr val="660033"/>
-                </a:solidFill>
-                <a:latin typeface="微軟正黑體" pitchFamily="34" charset="-120"/>
-                <a:ea typeface="微軟正黑體" pitchFamily="34" charset="-120"/>
-              </a:rPr>
-              <a:t>聖潔之地 </a:t>
-            </a:r>
-          </a:p>
-          <a:p>
-            <a:pPr algn="ctr">
-              <a:buNone/>
-            </a:pPr>
-            <a:r>
-              <a:rPr lang="zh-TW" altLang="en-US" sz="5400" b="1" dirty="0">
-                <a:solidFill>
-                  <a:srgbClr val="660033"/>
-                </a:solidFill>
-                <a:latin typeface="微軟正黑體" pitchFamily="34" charset="-120"/>
-                <a:ea typeface="微軟正黑體" pitchFamily="34" charset="-120"/>
-              </a:rPr>
-              <a:t>向主獻上我的敬拜</a:t>
-            </a:r>
-          </a:p>
         </p:txBody>
       </p:sp>
     </p:spTree>
+    <p:extLst>
+      <p:ext uri="{BB962C8B-B14F-4D97-AF65-F5344CB8AC3E}">
+        <p14:creationId xmlns:p14="http://schemas.microsoft.com/office/powerpoint/2010/main" val="351481064"/>
+      </p:ext>
+    </p:extLst>
   </p:cSld>
   <p:clrMapOvr>
     <a:masterClrMapping/>
@@ -3513,42 +3749,75 @@
       </p:grpSpPr>
       <p:sp>
         <p:nvSpPr>
-          <p:cNvPr id="4" name="標題 3"/>
-          <p:cNvSpPr>
-            <a:spLocks noGrp="1"/>
-          </p:cNvSpPr>
-          <p:nvPr>
-            <p:ph type="title"/>
-          </p:nvPr>
-        </p:nvSpPr>
-        <p:spPr/>
-        <p:txBody>
-          <a:bodyPr>
+          <p:cNvPr id="5" name="內容版面配置區 4"/>
+          <p:cNvSpPr>
+            <a:spLocks noGrp="1"/>
+          </p:cNvSpPr>
+          <p:nvPr>
+            <p:ph idx="1"/>
+          </p:nvPr>
+        </p:nvSpPr>
+        <p:spPr>
+          <a:xfrm>
+            <a:off x="0" y="2084851"/>
+            <a:ext cx="12192000" cy="2404863"/>
+          </a:xfrm>
+        </p:spPr>
+        <p:txBody>
+          <a:bodyPr anchor="ctr">
             <a:normAutofit/>
           </a:bodyPr>
           <a:lstStyle/>
           <a:p>
-            <a:r>
-              <a:rPr lang="zh-TW" altLang="en-US" b="1" dirty="0">
+            <a:pPr algn="ctr">
+              <a:buNone/>
+            </a:pPr>
+            <a:r>
+              <a:rPr lang="zh-TW" altLang="en-US" sz="6400" b="1" dirty="0">
                 <a:solidFill>
                   <a:srgbClr val="660033"/>
                 </a:solidFill>
                 <a:latin typeface="微軟正黑體" pitchFamily="34" charset="-120"/>
                 <a:ea typeface="微軟正黑體" pitchFamily="34" charset="-120"/>
               </a:rPr>
-              <a:t>惟有主愛充滿在我</a:t>
-            </a:r>
-            <a:r>
-              <a:rPr lang="zh-TW" altLang="en-US" b="1" dirty="0" smtClean="0">
+              <a:t>在此盼望之地</a:t>
+            </a:r>
+            <a:r>
+              <a:rPr lang="en-US" altLang="zh-TW" sz="6400" b="1" dirty="0">
                 <a:solidFill>
                   <a:srgbClr val="660033"/>
                 </a:solidFill>
                 <a:latin typeface="微軟正黑體" pitchFamily="34" charset="-120"/>
                 <a:ea typeface="微軟正黑體" pitchFamily="34" charset="-120"/>
               </a:rPr>
-              <a:t>心</a:t>
-            </a:r>
-            <a:endParaRPr lang="zh-TW" altLang="en-US" b="1" dirty="0">
+              <a:t>  </a:t>
+            </a:r>
+            <a:r>
+              <a:rPr lang="zh-TW" altLang="en-US" sz="6400" b="1" dirty="0">
+                <a:solidFill>
+                  <a:srgbClr val="660033"/>
+                </a:solidFill>
+                <a:latin typeface="微軟正黑體" pitchFamily="34" charset="-120"/>
+                <a:ea typeface="微軟正黑體" pitchFamily="34" charset="-120"/>
+              </a:rPr>
+              <a:t>充滿喜樂之地 </a:t>
+            </a:r>
+          </a:p>
+          <a:p>
+            <a:pPr algn="ctr">
+              <a:buNone/>
+            </a:pPr>
+            <a:r>
+              <a:rPr lang="zh-TW" altLang="en-US" sz="6400" b="1" dirty="0">
+                <a:solidFill>
+                  <a:srgbClr val="660033"/>
+                </a:solidFill>
+                <a:latin typeface="微軟正黑體" pitchFamily="34" charset="-120"/>
+                <a:ea typeface="微軟正黑體" pitchFamily="34" charset="-120"/>
+              </a:rPr>
+              <a:t>向主獻上我的愛</a:t>
+            </a:r>
+            <a:endParaRPr lang="zh-TW" altLang="en-US" sz="6400" b="1" dirty="0">
               <a:solidFill>
                 <a:srgbClr val="660033"/>
               </a:solidFill>
@@ -3560,154 +3829,72 @@
       </p:sp>
       <p:sp>
         <p:nvSpPr>
-          <p:cNvPr id="5" name="內容版面配置區 4"/>
-          <p:cNvSpPr>
-            <a:spLocks noGrp="1"/>
-          </p:cNvSpPr>
-          <p:nvPr>
-            <p:ph idx="1"/>
-          </p:nvPr>
-        </p:nvSpPr>
-        <p:spPr/>
-        <p:txBody>
-          <a:bodyPr>
-            <a:noAutofit/>
+          <p:cNvPr id="3" name="TextBox 2"/>
+          <p:cNvSpPr txBox="1"/>
+          <p:nvPr/>
+        </p:nvSpPr>
+        <p:spPr>
+          <a:xfrm>
+            <a:off x="0" y="5157192"/>
+            <a:ext cx="12192000" cy="666786"/>
+          </a:xfrm>
+          <a:prstGeom prst="rect">
+            <a:avLst/>
+          </a:prstGeom>
+          <a:noFill/>
+        </p:spPr>
+        <p:txBody>
+          <a:bodyPr wrap="square" rtlCol="0">
+            <a:spAutoFit/>
           </a:bodyPr>
           <a:lstStyle/>
           <a:p>
-            <a:pPr algn="ctr">
-              <a:buNone/>
-            </a:pPr>
-            <a:r>
-              <a:rPr lang="zh-TW" altLang="en-US" sz="5400" b="1" dirty="0">
+            <a:pPr algn="ctr"/>
+            <a:r>
+              <a:rPr lang="en-US" sz="3733" b="1" dirty="0">
                 <a:solidFill>
                   <a:srgbClr val="660033"/>
                 </a:solidFill>
-                <a:latin typeface="微軟正黑體" pitchFamily="34" charset="-120"/>
-                <a:ea typeface="微軟正黑體" pitchFamily="34" charset="-120"/>
+                <a:latin typeface="Microsoft JhengHei" panose="020B0604030504040204" pitchFamily="34" charset="-120"/>
+                <a:ea typeface="Microsoft JhengHei" panose="020B0604030504040204" pitchFamily="34" charset="-120"/>
               </a:rPr>
-              <a:t>主賜我一切豐盛</a:t>
-            </a:r>
-            <a:r>
-              <a:rPr lang="zh-TW" altLang="en-US" sz="5400" b="1" dirty="0" smtClean="0">
+              <a:t>( </a:t>
+            </a:r>
+            <a:r>
+              <a:rPr lang="zh-CN" altLang="en-US" sz="3733" b="1" dirty="0">
                 <a:solidFill>
                   <a:srgbClr val="660033"/>
                 </a:solidFill>
-                <a:latin typeface="微軟正黑體" pitchFamily="34" charset="-120"/>
-                <a:ea typeface="微軟正黑體" pitchFamily="34" charset="-120"/>
+                <a:latin typeface="Microsoft JhengHei" panose="020B0604030504040204" pitchFamily="34" charset="-120"/>
+                <a:ea typeface="Microsoft JhengHei" panose="020B0604030504040204" pitchFamily="34" charset="-120"/>
               </a:rPr>
-              <a:t>恩惠</a:t>
-            </a:r>
-            <a:endParaRPr lang="en-US" altLang="zh-TW" sz="5400" b="1" dirty="0" smtClean="0">
+              <a:t>正</a:t>
+            </a:r>
+            <a:r>
+              <a:rPr lang="en-US" sz="3733" b="1" dirty="0">
+                <a:solidFill>
+                  <a:srgbClr val="660033"/>
+                </a:solidFill>
+                <a:latin typeface="Microsoft JhengHei" panose="020B0604030504040204" pitchFamily="34" charset="-120"/>
+                <a:ea typeface="Microsoft JhengHei" panose="020B0604030504040204" pitchFamily="34" charset="-120"/>
+              </a:rPr>
+              <a:t> )</a:t>
+            </a:r>
+            <a:endParaRPr lang="vi-VN" sz="3733" b="1" dirty="0">
               <a:solidFill>
                 <a:srgbClr val="660033"/>
               </a:solidFill>
-              <a:latin typeface="微軟正黑體" pitchFamily="34" charset="-120"/>
-              <a:ea typeface="微軟正黑體" pitchFamily="34" charset="-120"/>
+              <a:ea typeface="Microsoft JhengHei" panose="020B0604030504040204" pitchFamily="34" charset="-120"/>
             </a:endParaRPr>
           </a:p>
-          <a:p>
-            <a:pPr algn="ctr">
-              <a:buNone/>
-            </a:pPr>
-            <a:r>
-              <a:rPr lang="zh-TW" altLang="en-US" sz="5400" b="1" dirty="0" smtClean="0">
-                <a:solidFill>
-                  <a:srgbClr val="660033"/>
-                </a:solidFill>
-                <a:latin typeface="微軟正黑體" pitchFamily="34" charset="-120"/>
-                <a:ea typeface="微軟正黑體" pitchFamily="34" charset="-120"/>
-              </a:rPr>
-              <a:t>我</a:t>
-            </a:r>
-            <a:r>
-              <a:rPr lang="zh-TW" altLang="en-US" sz="5400" b="1" dirty="0">
-                <a:solidFill>
-                  <a:srgbClr val="660033"/>
-                </a:solidFill>
-                <a:latin typeface="微軟正黑體" pitchFamily="34" charset="-120"/>
-                <a:ea typeface="微軟正黑體" pitchFamily="34" charset="-120"/>
-              </a:rPr>
-              <a:t>心難以</a:t>
-            </a:r>
-            <a:r>
-              <a:rPr lang="zh-TW" altLang="en-US" sz="5400" b="1" dirty="0" smtClean="0">
-                <a:solidFill>
-                  <a:srgbClr val="660033"/>
-                </a:solidFill>
-                <a:latin typeface="微軟正黑體" pitchFamily="34" charset="-120"/>
-                <a:ea typeface="微軟正黑體" pitchFamily="34" charset="-120"/>
-              </a:rPr>
-              <a:t>述說</a:t>
-            </a:r>
-            <a:endParaRPr lang="zh-TW" altLang="en-US" sz="5400" b="1" dirty="0">
-              <a:solidFill>
-                <a:srgbClr val="660033"/>
-              </a:solidFill>
-              <a:latin typeface="微軟正黑體" pitchFamily="34" charset="-120"/>
-              <a:ea typeface="微軟正黑體" pitchFamily="34" charset="-120"/>
-            </a:endParaRPr>
-          </a:p>
-          <a:p>
-            <a:pPr algn="ctr">
-              <a:buNone/>
-            </a:pPr>
-            <a:r>
-              <a:rPr lang="zh-TW" altLang="en-US" sz="5400" b="1" dirty="0">
-                <a:solidFill>
-                  <a:srgbClr val="660033"/>
-                </a:solidFill>
-                <a:latin typeface="微軟正黑體" pitchFamily="34" charset="-120"/>
-                <a:ea typeface="微軟正黑體" pitchFamily="34" charset="-120"/>
-              </a:rPr>
-              <a:t>我心靈喜樂的跟隨主腳</a:t>
-            </a:r>
-            <a:r>
-              <a:rPr lang="zh-TW" altLang="en-US" sz="5400" b="1" dirty="0" smtClean="0">
-                <a:solidFill>
-                  <a:srgbClr val="660033"/>
-                </a:solidFill>
-                <a:latin typeface="微軟正黑體" pitchFamily="34" charset="-120"/>
-                <a:ea typeface="微軟正黑體" pitchFamily="34" charset="-120"/>
-              </a:rPr>
-              <a:t>蹤</a:t>
-            </a:r>
-            <a:endParaRPr lang="en-US" altLang="zh-TW" sz="5400" b="1" dirty="0" smtClean="0">
-              <a:solidFill>
-                <a:srgbClr val="660033"/>
-              </a:solidFill>
-              <a:latin typeface="微軟正黑體" pitchFamily="34" charset="-120"/>
-              <a:ea typeface="微軟正黑體" pitchFamily="34" charset="-120"/>
-            </a:endParaRPr>
-          </a:p>
-          <a:p>
-            <a:pPr algn="ctr">
-              <a:buNone/>
-            </a:pPr>
-            <a:r>
-              <a:rPr lang="zh-TW" altLang="en-US" sz="5400" b="1" dirty="0" smtClean="0">
-                <a:solidFill>
-                  <a:srgbClr val="660033"/>
-                </a:solidFill>
-                <a:latin typeface="微軟正黑體" pitchFamily="34" charset="-120"/>
-                <a:ea typeface="微軟正黑體" pitchFamily="34" charset="-120"/>
-              </a:rPr>
-              <a:t>向</a:t>
-            </a:r>
-            <a:r>
-              <a:rPr lang="zh-TW" altLang="en-US" sz="5400" b="1" dirty="0">
-                <a:solidFill>
-                  <a:srgbClr val="660033"/>
-                </a:solidFill>
-                <a:latin typeface="微軟正黑體" pitchFamily="34" charset="-120"/>
-                <a:ea typeface="微軟正黑體" pitchFamily="34" charset="-120"/>
-              </a:rPr>
-              <a:t>主獻上我的一生</a:t>
-            </a:r>
-          </a:p>
         </p:txBody>
       </p:sp>
     </p:spTree>
+    <p:extLst>
+      <p:ext uri="{BB962C8B-B14F-4D97-AF65-F5344CB8AC3E}">
+        <p14:creationId xmlns:p14="http://schemas.microsoft.com/office/powerpoint/2010/main" val="631084532"/>
+      </p:ext>
+    </p:extLst>
   </p:cSld>
   <p:clrMapOvr>
     <a:masterClrMapping/>
@@ -3734,375 +3921,139 @@
       </p:grpSpPr>
       <p:sp>
         <p:nvSpPr>
-          <p:cNvPr id="4" name="標題 3"/>
-          <p:cNvSpPr>
-            <a:spLocks noGrp="1"/>
-          </p:cNvSpPr>
-          <p:nvPr>
-            <p:ph type="title"/>
-          </p:nvPr>
-        </p:nvSpPr>
-        <p:spPr/>
-        <p:txBody>
-          <a:bodyPr>
+          <p:cNvPr id="5" name="內容版面配置區 4"/>
+          <p:cNvSpPr>
+            <a:spLocks noGrp="1"/>
+          </p:cNvSpPr>
+          <p:nvPr>
+            <p:ph idx="1"/>
+          </p:nvPr>
+        </p:nvSpPr>
+        <p:spPr>
+          <a:xfrm>
+            <a:off x="0" y="2084851"/>
+            <a:ext cx="12192000" cy="2404863"/>
+          </a:xfrm>
+        </p:spPr>
+        <p:txBody>
+          <a:bodyPr anchor="ctr">
             <a:normAutofit/>
           </a:bodyPr>
           <a:lstStyle/>
           <a:p>
-            <a:r>
-              <a:rPr lang="en-US" b="1" dirty="0" err="1"/>
-              <a:t>Tình</a:t>
-            </a:r>
-            <a:r>
-              <a:rPr lang="en-US" b="1" dirty="0"/>
-              <a:t> </a:t>
-            </a:r>
-            <a:r>
-              <a:rPr lang="en-US" b="1" dirty="0" err="1"/>
-              <a:t>Chúa</a:t>
-            </a:r>
-            <a:r>
-              <a:rPr lang="en-US" b="1" dirty="0"/>
-              <a:t> </a:t>
-            </a:r>
-            <a:r>
-              <a:rPr lang="en-US" b="1" dirty="0" err="1"/>
-              <a:t>Mãi</a:t>
-            </a:r>
-            <a:r>
-              <a:rPr lang="en-US" b="1" dirty="0"/>
-              <a:t> </a:t>
-            </a:r>
-            <a:r>
-              <a:rPr lang="en-US" b="1" dirty="0" err="1"/>
-              <a:t>Trong</a:t>
-            </a:r>
-            <a:r>
-              <a:rPr lang="en-US" b="1" dirty="0"/>
-              <a:t> </a:t>
-            </a:r>
-            <a:r>
-              <a:rPr lang="en-US" b="1" dirty="0" err="1"/>
-              <a:t>Tôi</a:t>
-            </a:r>
-            <a:endParaRPr lang="zh-TW" altLang="en-US" dirty="0"/>
-          </a:p>
-        </p:txBody>
-      </p:sp>
-      <p:sp>
-        <p:nvSpPr>
-          <p:cNvPr id="5" name="內容版面配置區 4"/>
-          <p:cNvSpPr>
-            <a:spLocks noGrp="1"/>
-          </p:cNvSpPr>
-          <p:nvPr>
-            <p:ph idx="1"/>
-          </p:nvPr>
+            <a:pPr algn="ctr">
+              <a:buNone/>
+            </a:pPr>
+            <a:r>
+              <a:rPr lang="zh-TW" altLang="en-US" sz="6400" b="1" dirty="0">
+                <a:solidFill>
+                  <a:srgbClr val="660033"/>
+                </a:solidFill>
+                <a:latin typeface="微軟正黑體" pitchFamily="34" charset="-120"/>
+                <a:ea typeface="微軟正黑體" pitchFamily="34" charset="-120"/>
+              </a:rPr>
+              <a:t>惟獨主的同在充滿我</a:t>
+            </a:r>
+            <a:endParaRPr lang="en-US" altLang="zh-TW" sz="6400" b="1" dirty="0">
+              <a:solidFill>
+                <a:srgbClr val="660033"/>
+              </a:solidFill>
+              <a:latin typeface="微軟正黑體" pitchFamily="34" charset="-120"/>
+              <a:ea typeface="微軟正黑體" pitchFamily="34" charset="-120"/>
+            </a:endParaRPr>
+          </a:p>
+          <a:p>
+            <a:pPr algn="ctr">
+              <a:buNone/>
+            </a:pPr>
+            <a:r>
+              <a:rPr lang="zh-TW" altLang="en-US" sz="6400" b="1" dirty="0">
+                <a:solidFill>
+                  <a:srgbClr val="660033"/>
+                </a:solidFill>
+                <a:latin typeface="微軟正黑體" pitchFamily="34" charset="-120"/>
+                <a:ea typeface="微軟正黑體" pitchFamily="34" charset="-120"/>
+              </a:rPr>
+              <a:t>我的心靈讚美主聖名 </a:t>
+            </a:r>
+            <a:endParaRPr lang="zh-TW" altLang="en-US" sz="6400" b="1" dirty="0">
+              <a:solidFill>
+                <a:srgbClr val="660033"/>
+              </a:solidFill>
+              <a:latin typeface="微軟正黑體" pitchFamily="34" charset="-120"/>
+              <a:ea typeface="微軟正黑體" pitchFamily="34" charset="-120"/>
+            </a:endParaRPr>
+          </a:p>
+        </p:txBody>
+      </p:sp>
+      <p:sp>
+        <p:nvSpPr>
+          <p:cNvPr id="3" name="TextBox 2"/>
+          <p:cNvSpPr txBox="1"/>
+          <p:nvPr/>
         </p:nvSpPr>
         <p:spPr>
           <a:xfrm>
-            <a:off x="0" y="1600200"/>
-            <a:ext cx="9144000" cy="4525963"/>
+            <a:off x="0" y="5157192"/>
+            <a:ext cx="12192000" cy="666786"/>
           </a:xfrm>
+          <a:prstGeom prst="rect">
+            <a:avLst/>
+          </a:prstGeom>
+          <a:noFill/>
         </p:spPr>
         <p:txBody>
-          <a:bodyPr>
-            <a:noAutofit/>
+          <a:bodyPr wrap="square" rtlCol="0">
+            <a:spAutoFit/>
           </a:bodyPr>
           <a:lstStyle/>
           <a:p>
-            <a:pPr algn="ctr">
-              <a:buNone/>
-            </a:pPr>
-            <a:r>
-              <a:rPr lang="en-US" sz="3600" dirty="0" err="1"/>
-              <a:t>Nguyện</a:t>
-            </a:r>
-            <a:r>
-              <a:rPr lang="en-US" sz="3600" dirty="0"/>
-              <a:t> </a:t>
-            </a:r>
-            <a:r>
-              <a:rPr lang="en-US" sz="3600" dirty="0" err="1"/>
-              <a:t>lòng</a:t>
-            </a:r>
-            <a:r>
-              <a:rPr lang="en-US" sz="3600" dirty="0"/>
-              <a:t> </a:t>
-            </a:r>
-            <a:r>
-              <a:rPr lang="en-US" sz="3600" dirty="0" err="1"/>
-              <a:t>không</a:t>
-            </a:r>
-            <a:r>
-              <a:rPr lang="en-US" sz="3600" dirty="0"/>
-              <a:t> </a:t>
-            </a:r>
-            <a:r>
-              <a:rPr lang="en-US" sz="3600" dirty="0" err="1"/>
-              <a:t>quên</a:t>
-            </a:r>
-            <a:r>
-              <a:rPr lang="en-US" sz="3600" dirty="0"/>
-              <a:t> </a:t>
-            </a:r>
-            <a:r>
-              <a:rPr lang="en-US" sz="3600" dirty="0" err="1"/>
-              <a:t>ơn</a:t>
-            </a:r>
-            <a:r>
-              <a:rPr lang="en-US" sz="3600" dirty="0"/>
-              <a:t> </a:t>
-            </a:r>
-            <a:r>
-              <a:rPr lang="en-US" sz="3600" dirty="0" err="1"/>
-              <a:t>Chúa</a:t>
-            </a:r>
-            <a:r>
-              <a:rPr lang="en-US" sz="3600" dirty="0"/>
-              <a:t> </a:t>
-            </a:r>
-            <a:r>
-              <a:rPr lang="en-US" sz="3600" dirty="0" err="1"/>
-              <a:t>yêu</a:t>
-            </a:r>
-            <a:r>
-              <a:rPr lang="en-US" sz="3600" dirty="0"/>
-              <a:t> </a:t>
-            </a:r>
-            <a:r>
-              <a:rPr lang="en-US" sz="3600" dirty="0" err="1"/>
-              <a:t>diệu</a:t>
-            </a:r>
-            <a:r>
-              <a:rPr lang="en-US" sz="3600" dirty="0"/>
-              <a:t> </a:t>
-            </a:r>
-            <a:r>
-              <a:rPr lang="en-US" sz="3600" dirty="0" err="1" smtClean="0"/>
-              <a:t>kỳ</a:t>
-            </a:r>
-            <a:endParaRPr lang="en-US" sz="3600" dirty="0" smtClean="0"/>
-          </a:p>
-          <a:p>
-            <a:pPr algn="ctr">
-              <a:buNone/>
-            </a:pPr>
-            <a:r>
-              <a:rPr lang="en-US" sz="3600" dirty="0" err="1" smtClean="0"/>
-              <a:t>Và</a:t>
-            </a:r>
-            <a:r>
-              <a:rPr lang="en-US" sz="3600" dirty="0" smtClean="0"/>
-              <a:t> </a:t>
-            </a:r>
-            <a:r>
-              <a:rPr lang="en-US" sz="3600" dirty="0" err="1"/>
-              <a:t>tâm</a:t>
-            </a:r>
-            <a:r>
-              <a:rPr lang="en-US" sz="3600" dirty="0"/>
-              <a:t> </a:t>
-            </a:r>
-            <a:r>
-              <a:rPr lang="en-US" sz="3600" dirty="0" err="1"/>
-              <a:t>linh</a:t>
-            </a:r>
-            <a:r>
-              <a:rPr lang="en-US" sz="3600" dirty="0"/>
-              <a:t> con </a:t>
-            </a:r>
-            <a:r>
-              <a:rPr lang="en-US" sz="3600" dirty="0" err="1"/>
-              <a:t>hân</a:t>
-            </a:r>
-            <a:r>
-              <a:rPr lang="en-US" sz="3600" dirty="0"/>
-              <a:t> </a:t>
-            </a:r>
-            <a:r>
-              <a:rPr lang="en-US" sz="3600" dirty="0" err="1"/>
-              <a:t>hoan</a:t>
-            </a:r>
-            <a:r>
-              <a:rPr lang="en-US" sz="3600" dirty="0"/>
-              <a:t> </a:t>
-            </a:r>
-            <a:r>
-              <a:rPr lang="en-US" sz="3600" dirty="0" err="1"/>
-              <a:t>cất</a:t>
-            </a:r>
-            <a:r>
-              <a:rPr lang="en-US" sz="3600" dirty="0"/>
-              <a:t> </a:t>
-            </a:r>
-            <a:r>
-              <a:rPr lang="en-US" sz="3600" dirty="0" err="1"/>
-              <a:t>tiếng</a:t>
-            </a:r>
-            <a:r>
-              <a:rPr lang="en-US" sz="3600" dirty="0"/>
-              <a:t> </a:t>
-            </a:r>
-            <a:r>
-              <a:rPr lang="en-US" sz="3600" dirty="0" err="1"/>
-              <a:t>hát</a:t>
-            </a:r>
-            <a:endParaRPr lang="zh-TW" altLang="en-US" sz="3600" dirty="0"/>
-          </a:p>
-          <a:p>
-            <a:pPr algn="ctr">
-              <a:buNone/>
-            </a:pPr>
-            <a:r>
-              <a:rPr lang="en-US" sz="3600" dirty="0"/>
-              <a:t>Ở </a:t>
-            </a:r>
-            <a:r>
-              <a:rPr lang="en-US" sz="3600" dirty="0" err="1"/>
-              <a:t>trên</a:t>
-            </a:r>
-            <a:r>
-              <a:rPr lang="en-US" sz="3600" dirty="0"/>
-              <a:t> </a:t>
-            </a:r>
-            <a:r>
-              <a:rPr lang="en-US" sz="3600" dirty="0" err="1"/>
-              <a:t>đỉnh</a:t>
-            </a:r>
-            <a:r>
-              <a:rPr lang="en-US" sz="3600" dirty="0"/>
-              <a:t> </a:t>
-            </a:r>
-            <a:r>
-              <a:rPr lang="en-US" sz="3600" dirty="0" err="1"/>
-              <a:t>của</a:t>
-            </a:r>
-            <a:r>
-              <a:rPr lang="en-US" sz="3600" dirty="0"/>
-              <a:t> </a:t>
-            </a:r>
-            <a:r>
-              <a:rPr lang="en-US" sz="3600" dirty="0" err="1"/>
-              <a:t>hy</a:t>
-            </a:r>
-            <a:r>
-              <a:rPr lang="en-US" sz="3600" dirty="0"/>
-              <a:t> </a:t>
-            </a:r>
-            <a:r>
-              <a:rPr lang="en-US" sz="3600" dirty="0" err="1" smtClean="0"/>
-              <a:t>vọng</a:t>
-            </a:r>
-            <a:endParaRPr lang="en-US" sz="3600" dirty="0" smtClean="0"/>
-          </a:p>
-          <a:p>
-            <a:pPr algn="ctr">
-              <a:buNone/>
-            </a:pPr>
-            <a:r>
-              <a:rPr lang="en-US" sz="3600" dirty="0" err="1" smtClean="0"/>
-              <a:t>Lòng</a:t>
-            </a:r>
-            <a:r>
-              <a:rPr lang="en-US" sz="3600" dirty="0" smtClean="0"/>
-              <a:t> </a:t>
-            </a:r>
-            <a:r>
-              <a:rPr lang="en-US" sz="3600" dirty="0"/>
-              <a:t>con </a:t>
-            </a:r>
-            <a:r>
-              <a:rPr lang="en-US" sz="3600" dirty="0" err="1"/>
-              <a:t>siết</a:t>
-            </a:r>
-            <a:r>
-              <a:rPr lang="en-US" sz="3600" dirty="0"/>
-              <a:t> </a:t>
-            </a:r>
-            <a:r>
-              <a:rPr lang="en-US" sz="3600" dirty="0" err="1"/>
-              <a:t>bao</a:t>
-            </a:r>
-            <a:r>
-              <a:rPr lang="en-US" sz="3600" dirty="0"/>
-              <a:t> </a:t>
-            </a:r>
-            <a:r>
-              <a:rPr lang="en-US" sz="3600" dirty="0" err="1"/>
-              <a:t>vui</a:t>
-            </a:r>
-            <a:r>
-              <a:rPr lang="en-US" sz="3600" dirty="0"/>
-              <a:t> </a:t>
-            </a:r>
-            <a:r>
-              <a:rPr lang="en-US" sz="3600" dirty="0" err="1" smtClean="0"/>
-              <a:t>mừng</a:t>
-            </a:r>
-            <a:endParaRPr lang="zh-TW" altLang="en-US" sz="3600" dirty="0"/>
-          </a:p>
-          <a:p>
-            <a:pPr algn="ctr">
-              <a:buNone/>
-            </a:pPr>
-            <a:r>
-              <a:rPr lang="en-US" sz="3600" dirty="0" err="1" smtClean="0"/>
-              <a:t>Xin</a:t>
-            </a:r>
-            <a:r>
-              <a:rPr lang="en-US" sz="3600" dirty="0" smtClean="0"/>
-              <a:t> </a:t>
-            </a:r>
-            <a:r>
-              <a:rPr lang="en-US" sz="3600" dirty="0" err="1"/>
-              <a:t>dâng</a:t>
-            </a:r>
-            <a:r>
-              <a:rPr lang="en-US" sz="3600" dirty="0"/>
-              <a:t> </a:t>
-            </a:r>
-            <a:r>
-              <a:rPr lang="en-US" sz="3600" dirty="0" err="1"/>
-              <a:t>lòng</a:t>
-            </a:r>
-            <a:r>
-              <a:rPr lang="en-US" sz="3600" dirty="0"/>
-              <a:t> con </a:t>
-            </a:r>
-            <a:r>
-              <a:rPr lang="en-US" sz="3600" dirty="0" err="1"/>
-              <a:t>mến</a:t>
-            </a:r>
-            <a:r>
-              <a:rPr lang="en-US" sz="3600" dirty="0"/>
-              <a:t> </a:t>
-            </a:r>
-            <a:r>
-              <a:rPr lang="en-US" sz="3600" dirty="0" err="1"/>
-              <a:t>yêu</a:t>
-            </a:r>
-            <a:r>
-              <a:rPr lang="en-US" sz="3600" dirty="0"/>
-              <a:t> </a:t>
-            </a:r>
-            <a:r>
-              <a:rPr lang="en-US" sz="3600" dirty="0" err="1"/>
-              <a:t>Ngài</a:t>
-            </a:r>
-            <a:r>
-              <a:rPr lang="en-US" sz="3600" dirty="0"/>
-              <a:t> </a:t>
-            </a:r>
-            <a:r>
-              <a:rPr lang="en-US" sz="3600" dirty="0" err="1" smtClean="0"/>
-              <a:t>hoài</a:t>
-            </a:r>
-            <a:endParaRPr lang="zh-TW" altLang="en-US" sz="3600" dirty="0"/>
+            <a:pPr algn="ctr"/>
+            <a:r>
+              <a:rPr lang="en-US" sz="3733" b="1" dirty="0">
+                <a:solidFill>
+                  <a:srgbClr val="660033"/>
+                </a:solidFill>
+                <a:latin typeface="Microsoft JhengHei" panose="020B0604030504040204" pitchFamily="34" charset="-120"/>
+                <a:ea typeface="Microsoft JhengHei" panose="020B0604030504040204" pitchFamily="34" charset="-120"/>
+              </a:rPr>
+              <a:t>( </a:t>
+            </a:r>
+            <a:r>
+              <a:rPr lang="zh-CN" altLang="en-US" sz="3733" b="1" dirty="0">
+                <a:solidFill>
+                  <a:srgbClr val="660033"/>
+                </a:solidFill>
+                <a:latin typeface="Microsoft JhengHei" panose="020B0604030504040204" pitchFamily="34" charset="-120"/>
+                <a:ea typeface="Microsoft JhengHei" panose="020B0604030504040204" pitchFamily="34" charset="-120"/>
+              </a:rPr>
+              <a:t>正</a:t>
+            </a:r>
+            <a:r>
+              <a:rPr lang="en-US" sz="3733" b="1" dirty="0">
+                <a:solidFill>
+                  <a:srgbClr val="660033"/>
+                </a:solidFill>
+                <a:latin typeface="Microsoft JhengHei" panose="020B0604030504040204" pitchFamily="34" charset="-120"/>
+                <a:ea typeface="Microsoft JhengHei" panose="020B0604030504040204" pitchFamily="34" charset="-120"/>
+              </a:rPr>
+              <a:t> )</a:t>
+            </a:r>
+            <a:endParaRPr lang="vi-VN" sz="3733" b="1" dirty="0">
+              <a:solidFill>
+                <a:srgbClr val="660033"/>
+              </a:solidFill>
+              <a:ea typeface="Microsoft JhengHei" panose="020B0604030504040204" pitchFamily="34" charset="-120"/>
+            </a:endParaRPr>
           </a:p>
         </p:txBody>
       </p:sp>
     </p:spTree>
+    <p:extLst>
+      <p:ext uri="{BB962C8B-B14F-4D97-AF65-F5344CB8AC3E}">
+        <p14:creationId xmlns:p14="http://schemas.microsoft.com/office/powerpoint/2010/main" val="4080767803"/>
+      </p:ext>
+    </p:extLst>
   </p:cSld>
   <p:clrMapOvr>
     <a:masterClrMapping/>
@@ -4129,367 +4080,152 @@
       </p:grpSpPr>
       <p:sp>
         <p:nvSpPr>
-          <p:cNvPr id="4" name="標題 3"/>
-          <p:cNvSpPr>
-            <a:spLocks noGrp="1"/>
-          </p:cNvSpPr>
-          <p:nvPr>
-            <p:ph type="title"/>
-          </p:nvPr>
-        </p:nvSpPr>
-        <p:spPr/>
-        <p:txBody>
-          <a:bodyPr>
+          <p:cNvPr id="5" name="內容版面配置區 4"/>
+          <p:cNvSpPr>
+            <a:spLocks noGrp="1"/>
+          </p:cNvSpPr>
+          <p:nvPr>
+            <p:ph idx="1"/>
+          </p:nvPr>
+        </p:nvSpPr>
+        <p:spPr>
+          <a:xfrm>
+            <a:off x="0" y="2084851"/>
+            <a:ext cx="12192000" cy="2404863"/>
+          </a:xfrm>
+        </p:spPr>
+        <p:txBody>
+          <a:bodyPr anchor="ctr">
             <a:normAutofit/>
           </a:bodyPr>
           <a:lstStyle/>
           <a:p>
-            <a:r>
-              <a:rPr lang="en-US" b="1" dirty="0" err="1"/>
-              <a:t>Tình</a:t>
-            </a:r>
-            <a:r>
-              <a:rPr lang="en-US" b="1" dirty="0"/>
-              <a:t> </a:t>
-            </a:r>
-            <a:r>
-              <a:rPr lang="en-US" b="1" dirty="0" err="1"/>
-              <a:t>Chúa</a:t>
-            </a:r>
-            <a:r>
-              <a:rPr lang="en-US" b="1" dirty="0"/>
-              <a:t> </a:t>
-            </a:r>
-            <a:r>
-              <a:rPr lang="en-US" b="1" dirty="0" err="1"/>
-              <a:t>Mãi</a:t>
-            </a:r>
-            <a:r>
-              <a:rPr lang="en-US" b="1" dirty="0"/>
-              <a:t> </a:t>
-            </a:r>
-            <a:r>
-              <a:rPr lang="en-US" b="1" dirty="0" err="1"/>
-              <a:t>Trong</a:t>
-            </a:r>
-            <a:r>
-              <a:rPr lang="en-US" b="1" dirty="0"/>
-              <a:t> </a:t>
-            </a:r>
-            <a:r>
-              <a:rPr lang="en-US" b="1" dirty="0" err="1"/>
-              <a:t>Tôi</a:t>
-            </a:r>
-            <a:endParaRPr lang="zh-TW" altLang="en-US" dirty="0"/>
-          </a:p>
-        </p:txBody>
-      </p:sp>
-      <p:sp>
-        <p:nvSpPr>
-          <p:cNvPr id="5" name="內容版面配置區 4"/>
-          <p:cNvSpPr>
-            <a:spLocks noGrp="1"/>
-          </p:cNvSpPr>
-          <p:nvPr>
-            <p:ph idx="1"/>
-          </p:nvPr>
+            <a:pPr algn="ctr">
+              <a:buNone/>
+            </a:pPr>
+            <a:r>
+              <a:rPr lang="zh-TW" altLang="en-US" sz="6400" b="1" dirty="0">
+                <a:solidFill>
+                  <a:srgbClr val="660033"/>
+                </a:solidFill>
+                <a:latin typeface="微軟正黑體" pitchFamily="34" charset="-120"/>
+                <a:ea typeface="微軟正黑體" pitchFamily="34" charset="-120"/>
+              </a:rPr>
+              <a:t>在此盼望之地</a:t>
+            </a:r>
+            <a:r>
+              <a:rPr lang="en-US" altLang="zh-TW" sz="6400" b="1" dirty="0">
+                <a:solidFill>
+                  <a:srgbClr val="660033"/>
+                </a:solidFill>
+                <a:latin typeface="微軟正黑體" pitchFamily="34" charset="-120"/>
+                <a:ea typeface="微軟正黑體" pitchFamily="34" charset="-120"/>
+              </a:rPr>
+              <a:t>  </a:t>
+            </a:r>
+            <a:r>
+              <a:rPr lang="zh-TW" altLang="en-US" sz="6400" b="1" dirty="0">
+                <a:solidFill>
+                  <a:srgbClr val="660033"/>
+                </a:solidFill>
+                <a:latin typeface="微軟正黑體" pitchFamily="34" charset="-120"/>
+                <a:ea typeface="微軟正黑體" pitchFamily="34" charset="-120"/>
+              </a:rPr>
+              <a:t>榮耀聖潔之地 </a:t>
+            </a:r>
+          </a:p>
+          <a:p>
+            <a:pPr algn="ctr">
+              <a:buNone/>
+            </a:pPr>
+            <a:r>
+              <a:rPr lang="zh-TW" altLang="en-US" sz="6400" b="1" dirty="0">
+                <a:solidFill>
+                  <a:srgbClr val="660033"/>
+                </a:solidFill>
+                <a:latin typeface="微軟正黑體" pitchFamily="34" charset="-120"/>
+                <a:ea typeface="微軟正黑體" pitchFamily="34" charset="-120"/>
+              </a:rPr>
+              <a:t>向主獻上我的敬拜</a:t>
+            </a:r>
+            <a:endParaRPr lang="zh-TW" altLang="en-US" sz="6400" b="1" dirty="0">
+              <a:solidFill>
+                <a:srgbClr val="660033"/>
+              </a:solidFill>
+              <a:latin typeface="微軟正黑體" pitchFamily="34" charset="-120"/>
+              <a:ea typeface="微軟正黑體" pitchFamily="34" charset="-120"/>
+            </a:endParaRPr>
+          </a:p>
+        </p:txBody>
+      </p:sp>
+      <p:sp>
+        <p:nvSpPr>
+          <p:cNvPr id="3" name="TextBox 2"/>
+          <p:cNvSpPr txBox="1"/>
+          <p:nvPr/>
         </p:nvSpPr>
         <p:spPr>
           <a:xfrm>
-            <a:off x="0" y="1600200"/>
-            <a:ext cx="9144000" cy="4525963"/>
+            <a:off x="0" y="5157192"/>
+            <a:ext cx="12192000" cy="666786"/>
           </a:xfrm>
+          <a:prstGeom prst="rect">
+            <a:avLst/>
+          </a:prstGeom>
+          <a:noFill/>
         </p:spPr>
         <p:txBody>
-          <a:bodyPr>
-            <a:noAutofit/>
+          <a:bodyPr wrap="square" rtlCol="0">
+            <a:spAutoFit/>
           </a:bodyPr>
           <a:lstStyle/>
           <a:p>
-            <a:pPr algn="ctr">
-              <a:buNone/>
-            </a:pPr>
-            <a:r>
-              <a:rPr lang="en-US" sz="3600" dirty="0" err="1"/>
-              <a:t>Nguyện</a:t>
-            </a:r>
-            <a:r>
-              <a:rPr lang="en-US" sz="3600" dirty="0"/>
-              <a:t> </a:t>
-            </a:r>
-            <a:r>
-              <a:rPr lang="en-US" sz="3600" dirty="0" err="1"/>
-              <a:t>lòng</a:t>
-            </a:r>
-            <a:r>
-              <a:rPr lang="en-US" sz="3600" dirty="0"/>
-              <a:t> con </a:t>
-            </a:r>
-            <a:r>
-              <a:rPr lang="en-US" sz="3600" dirty="0" err="1"/>
-              <a:t>là</a:t>
-            </a:r>
-            <a:r>
-              <a:rPr lang="en-US" sz="3600" dirty="0"/>
-              <a:t> </a:t>
-            </a:r>
-            <a:r>
-              <a:rPr lang="en-US" sz="3600" dirty="0" err="1"/>
-              <a:t>nơi</a:t>
-            </a:r>
-            <a:r>
-              <a:rPr lang="en-US" sz="3600" dirty="0"/>
-              <a:t> </a:t>
-            </a:r>
-            <a:r>
-              <a:rPr lang="en-US" sz="3600" dirty="0" err="1"/>
-              <a:t>Chúa</a:t>
-            </a:r>
-            <a:r>
-              <a:rPr lang="en-US" sz="3600" dirty="0"/>
-              <a:t> Cha </a:t>
-            </a:r>
-            <a:r>
-              <a:rPr lang="en-US" sz="3600" dirty="0" err="1"/>
-              <a:t>ngự</a:t>
-            </a:r>
-            <a:r>
-              <a:rPr lang="en-US" sz="3600" dirty="0"/>
-              <a:t> </a:t>
-            </a:r>
-            <a:r>
-              <a:rPr lang="en-US" sz="3600" dirty="0" err="1" smtClean="0"/>
-              <a:t>trị</a:t>
-            </a:r>
-            <a:endParaRPr lang="en-US" sz="3600" dirty="0" smtClean="0"/>
-          </a:p>
-          <a:p>
-            <a:pPr algn="ctr">
-              <a:buNone/>
-            </a:pPr>
-            <a:r>
-              <a:rPr lang="en-US" sz="3600" dirty="0" err="1" smtClean="0"/>
-              <a:t>Và</a:t>
-            </a:r>
-            <a:r>
-              <a:rPr lang="en-US" sz="3600" dirty="0" smtClean="0"/>
-              <a:t> </a:t>
-            </a:r>
-            <a:r>
-              <a:rPr lang="en-US" sz="3600" dirty="0" err="1"/>
-              <a:t>ngợi</a:t>
-            </a:r>
-            <a:r>
-              <a:rPr lang="en-US" sz="3600" dirty="0"/>
-              <a:t> </a:t>
-            </a:r>
-            <a:r>
-              <a:rPr lang="en-US" sz="3600" dirty="0" err="1"/>
-              <a:t>khen</a:t>
-            </a:r>
-            <a:r>
-              <a:rPr lang="en-US" sz="3600" dirty="0"/>
-              <a:t> </a:t>
-            </a:r>
-            <a:r>
-              <a:rPr lang="en-US" sz="3600" dirty="0" err="1"/>
-              <a:t>Giê-xu</a:t>
-            </a:r>
-            <a:r>
-              <a:rPr lang="en-US" sz="3600" dirty="0"/>
-              <a:t> con </a:t>
-            </a:r>
-            <a:r>
-              <a:rPr lang="en-US" sz="3600" dirty="0" err="1"/>
-              <a:t>cất</a:t>
-            </a:r>
-            <a:r>
-              <a:rPr lang="en-US" sz="3600" dirty="0"/>
-              <a:t> </a:t>
-            </a:r>
-            <a:r>
-              <a:rPr lang="en-US" sz="3600" dirty="0" err="1"/>
-              <a:t>tiếng</a:t>
-            </a:r>
-            <a:r>
-              <a:rPr lang="en-US" sz="3600" dirty="0"/>
-              <a:t> </a:t>
-            </a:r>
-            <a:r>
-              <a:rPr lang="en-US" sz="3600" dirty="0" err="1"/>
-              <a:t>hát</a:t>
-            </a:r>
-            <a:endParaRPr lang="zh-TW" altLang="en-US" sz="3600" dirty="0"/>
-          </a:p>
-          <a:p>
-            <a:pPr algn="ctr">
-              <a:buNone/>
-            </a:pPr>
-            <a:r>
-              <a:rPr lang="en-US" sz="3600" dirty="0" err="1"/>
-              <a:t>Lòng</a:t>
-            </a:r>
-            <a:r>
-              <a:rPr lang="en-US" sz="3600" dirty="0"/>
-              <a:t> </a:t>
-            </a:r>
-            <a:r>
-              <a:rPr lang="en-US" sz="3600" dirty="0" err="1"/>
-              <a:t>nghe</a:t>
-            </a:r>
-            <a:r>
-              <a:rPr lang="en-US" sz="3600" dirty="0"/>
-              <a:t> </a:t>
-            </a:r>
-            <a:r>
-              <a:rPr lang="en-US" sz="3600" dirty="0" err="1"/>
-              <a:t>tiếng</a:t>
-            </a:r>
-            <a:r>
-              <a:rPr lang="en-US" sz="3600" dirty="0"/>
-              <a:t> </a:t>
-            </a:r>
-            <a:r>
-              <a:rPr lang="en-US" sz="3600" dirty="0" err="1"/>
-              <a:t>Chúa</a:t>
-            </a:r>
-            <a:r>
-              <a:rPr lang="en-US" sz="3600" dirty="0"/>
-              <a:t> </a:t>
-            </a:r>
-            <a:r>
-              <a:rPr lang="en-US" sz="3600" dirty="0" err="1"/>
-              <a:t>kêu</a:t>
-            </a:r>
-            <a:r>
-              <a:rPr lang="en-US" sz="3600" dirty="0"/>
-              <a:t> </a:t>
-            </a:r>
-            <a:r>
-              <a:rPr lang="en-US" sz="3600" dirty="0" err="1" smtClean="0"/>
-              <a:t>gọi</a:t>
-            </a:r>
-            <a:endParaRPr lang="en-US" sz="3600" dirty="0" smtClean="0"/>
-          </a:p>
-          <a:p>
-            <a:pPr algn="ctr">
-              <a:buNone/>
-            </a:pPr>
-            <a:r>
-              <a:rPr lang="en-US" sz="3600" dirty="0" err="1" smtClean="0"/>
-              <a:t>Vùng</a:t>
-            </a:r>
-            <a:r>
-              <a:rPr lang="en-US" sz="3600" dirty="0" smtClean="0"/>
-              <a:t> </a:t>
-            </a:r>
-            <a:r>
-              <a:rPr lang="en-US" sz="3600" dirty="0" err="1"/>
-              <a:t>đất</a:t>
-            </a:r>
-            <a:r>
-              <a:rPr lang="en-US" sz="3600" dirty="0"/>
-              <a:t> </a:t>
-            </a:r>
-            <a:r>
-              <a:rPr lang="en-US" sz="3600" dirty="0" err="1"/>
-              <a:t>của</a:t>
-            </a:r>
-            <a:r>
-              <a:rPr lang="en-US" sz="3600" dirty="0"/>
-              <a:t> </a:t>
-            </a:r>
-            <a:r>
-              <a:rPr lang="en-US" sz="3600" dirty="0" err="1"/>
-              <a:t>sự</a:t>
-            </a:r>
-            <a:r>
-              <a:rPr lang="en-US" sz="3600" dirty="0"/>
-              <a:t> </a:t>
-            </a:r>
-            <a:r>
-              <a:rPr lang="en-US" sz="3600" dirty="0" err="1"/>
-              <a:t>thánh</a:t>
-            </a:r>
-            <a:r>
-              <a:rPr lang="en-US" sz="3600" dirty="0"/>
-              <a:t> </a:t>
-            </a:r>
-            <a:r>
-              <a:rPr lang="en-US" sz="3600" dirty="0" err="1" smtClean="0"/>
-              <a:t>thiện</a:t>
-            </a:r>
-            <a:endParaRPr lang="zh-TW" altLang="en-US" sz="3600" dirty="0"/>
-          </a:p>
-          <a:p>
-            <a:pPr algn="ctr">
-              <a:buNone/>
-            </a:pPr>
-            <a:r>
-              <a:rPr lang="en-US" sz="3600" dirty="0" err="1" smtClean="0"/>
-              <a:t>Xin</a:t>
-            </a:r>
-            <a:r>
-              <a:rPr lang="en-US" sz="3600" dirty="0" smtClean="0"/>
-              <a:t> </a:t>
-            </a:r>
-            <a:r>
-              <a:rPr lang="en-US" sz="3600" dirty="0" err="1"/>
-              <a:t>dâng</a:t>
-            </a:r>
-            <a:r>
-              <a:rPr lang="en-US" sz="3600" dirty="0"/>
-              <a:t> </a:t>
-            </a:r>
-            <a:r>
-              <a:rPr lang="en-US" sz="3600" dirty="0" err="1"/>
-              <a:t>lòng</a:t>
-            </a:r>
-            <a:r>
-              <a:rPr lang="en-US" sz="3600" dirty="0"/>
-              <a:t> </a:t>
-            </a:r>
-            <a:r>
-              <a:rPr lang="en-US" sz="3600" dirty="0" err="1"/>
-              <a:t>đây</a:t>
-            </a:r>
-            <a:r>
-              <a:rPr lang="en-US" sz="3600" dirty="0"/>
-              <a:t> </a:t>
-            </a:r>
-            <a:r>
-              <a:rPr lang="en-US" sz="3600" dirty="0" err="1"/>
-              <a:t>mãi</a:t>
-            </a:r>
-            <a:r>
-              <a:rPr lang="en-US" sz="3600" dirty="0"/>
-              <a:t> </a:t>
-            </a:r>
-            <a:r>
-              <a:rPr lang="en-US" sz="3600" dirty="0" err="1"/>
-              <a:t>tôn</a:t>
-            </a:r>
-            <a:r>
-              <a:rPr lang="en-US" sz="3600" dirty="0"/>
-              <a:t> </a:t>
-            </a:r>
-            <a:r>
-              <a:rPr lang="en-US" sz="3600" dirty="0" err="1"/>
-              <a:t>thờ</a:t>
-            </a:r>
-            <a:r>
-              <a:rPr lang="en-US" sz="3600" dirty="0"/>
-              <a:t> </a:t>
-            </a:r>
-            <a:r>
-              <a:rPr lang="en-US" sz="3600" dirty="0" err="1" smtClean="0"/>
-              <a:t>Ngài</a:t>
-            </a:r>
-            <a:endParaRPr lang="zh-TW" altLang="en-US" sz="3600" dirty="0"/>
+            <a:pPr algn="ctr"/>
+            <a:r>
+              <a:rPr lang="en-US" sz="3733" b="1" dirty="0">
+                <a:solidFill>
+                  <a:srgbClr val="660033"/>
+                </a:solidFill>
+                <a:latin typeface="Microsoft JhengHei" panose="020B0604030504040204" pitchFamily="34" charset="-120"/>
+                <a:ea typeface="Microsoft JhengHei" panose="020B0604030504040204" pitchFamily="34" charset="-120"/>
+              </a:rPr>
+              <a:t>( </a:t>
+            </a:r>
+            <a:r>
+              <a:rPr lang="zh-CN" altLang="en-US" sz="3733" b="1" dirty="0">
+                <a:solidFill>
+                  <a:srgbClr val="660033"/>
+                </a:solidFill>
+                <a:latin typeface="Microsoft JhengHei" panose="020B0604030504040204" pitchFamily="34" charset="-120"/>
+                <a:ea typeface="Microsoft JhengHei" panose="020B0604030504040204" pitchFamily="34" charset="-120"/>
+              </a:rPr>
+              <a:t>正</a:t>
+            </a:r>
+            <a:r>
+              <a:rPr lang="en-US" sz="3733" b="1" dirty="0">
+                <a:solidFill>
+                  <a:srgbClr val="660033"/>
+                </a:solidFill>
+                <a:latin typeface="Microsoft JhengHei" panose="020B0604030504040204" pitchFamily="34" charset="-120"/>
+                <a:ea typeface="Microsoft JhengHei" panose="020B0604030504040204" pitchFamily="34" charset="-120"/>
+              </a:rPr>
+              <a:t> )</a:t>
+            </a:r>
+            <a:endParaRPr lang="vi-VN" sz="3733" b="1" dirty="0">
+              <a:solidFill>
+                <a:srgbClr val="660033"/>
+              </a:solidFill>
+              <a:ea typeface="Microsoft JhengHei" panose="020B0604030504040204" pitchFamily="34" charset="-120"/>
+            </a:endParaRPr>
           </a:p>
         </p:txBody>
       </p:sp>
     </p:spTree>
+    <p:extLst>
+      <p:ext uri="{BB962C8B-B14F-4D97-AF65-F5344CB8AC3E}">
+        <p14:creationId xmlns:p14="http://schemas.microsoft.com/office/powerpoint/2010/main" val="398373354"/>
+      </p:ext>
+    </p:extLst>
   </p:cSld>
   <p:clrMapOvr>
     <a:masterClrMapping/>
@@ -4516,6 +4252,324 @@
       </p:grpSpPr>
       <p:sp>
         <p:nvSpPr>
+          <p:cNvPr id="5" name="內容版面配置區 4"/>
+          <p:cNvSpPr>
+            <a:spLocks noGrp="1"/>
+          </p:cNvSpPr>
+          <p:nvPr>
+            <p:ph idx="1"/>
+          </p:nvPr>
+        </p:nvSpPr>
+        <p:spPr>
+          <a:xfrm>
+            <a:off x="0" y="2084851"/>
+            <a:ext cx="12192000" cy="2404863"/>
+          </a:xfrm>
+        </p:spPr>
+        <p:txBody>
+          <a:bodyPr anchor="ctr">
+            <a:normAutofit/>
+          </a:bodyPr>
+          <a:lstStyle/>
+          <a:p>
+            <a:pPr algn="ctr">
+              <a:buNone/>
+            </a:pPr>
+            <a:r>
+              <a:rPr lang="zh-TW" altLang="en-US" sz="6400" b="1" dirty="0">
+                <a:solidFill>
+                  <a:srgbClr val="660033"/>
+                </a:solidFill>
+                <a:latin typeface="微軟正黑體" pitchFamily="34" charset="-120"/>
+                <a:ea typeface="微軟正黑體" pitchFamily="34" charset="-120"/>
+              </a:rPr>
+              <a:t>主賜我一切豐盛恩惠</a:t>
+            </a:r>
+            <a:endParaRPr lang="en-US" altLang="zh-TW" sz="6400" b="1" dirty="0">
+              <a:solidFill>
+                <a:srgbClr val="660033"/>
+              </a:solidFill>
+              <a:latin typeface="微軟正黑體" pitchFamily="34" charset="-120"/>
+              <a:ea typeface="微軟正黑體" pitchFamily="34" charset="-120"/>
+            </a:endParaRPr>
+          </a:p>
+          <a:p>
+            <a:pPr algn="ctr">
+              <a:buNone/>
+            </a:pPr>
+            <a:r>
+              <a:rPr lang="zh-TW" altLang="en-US" sz="6400" b="1" dirty="0">
+                <a:solidFill>
+                  <a:srgbClr val="660033"/>
+                </a:solidFill>
+                <a:latin typeface="微軟正黑體" pitchFamily="34" charset="-120"/>
+                <a:ea typeface="微軟正黑體" pitchFamily="34" charset="-120"/>
+              </a:rPr>
+              <a:t>我心難以述說</a:t>
+            </a:r>
+            <a:endParaRPr lang="zh-TW" altLang="en-US" sz="6400" b="1" dirty="0">
+              <a:solidFill>
+                <a:srgbClr val="660033"/>
+              </a:solidFill>
+              <a:latin typeface="微軟正黑體" pitchFamily="34" charset="-120"/>
+              <a:ea typeface="微軟正黑體" pitchFamily="34" charset="-120"/>
+            </a:endParaRPr>
+          </a:p>
+        </p:txBody>
+      </p:sp>
+      <p:sp>
+        <p:nvSpPr>
+          <p:cNvPr id="3" name="TextBox 2"/>
+          <p:cNvSpPr txBox="1"/>
+          <p:nvPr/>
+        </p:nvSpPr>
+        <p:spPr>
+          <a:xfrm>
+            <a:off x="0" y="5157192"/>
+            <a:ext cx="12192000" cy="666786"/>
+          </a:xfrm>
+          <a:prstGeom prst="rect">
+            <a:avLst/>
+          </a:prstGeom>
+          <a:noFill/>
+        </p:spPr>
+        <p:txBody>
+          <a:bodyPr wrap="square" rtlCol="0">
+            <a:spAutoFit/>
+          </a:bodyPr>
+          <a:lstStyle/>
+          <a:p>
+            <a:pPr algn="ctr"/>
+            <a:r>
+              <a:rPr lang="en-US" sz="3733" b="1" dirty="0">
+                <a:solidFill>
+                  <a:srgbClr val="660033"/>
+                </a:solidFill>
+                <a:latin typeface="Microsoft JhengHei" panose="020B0604030504040204" pitchFamily="34" charset="-120"/>
+                <a:ea typeface="Microsoft JhengHei" panose="020B0604030504040204" pitchFamily="34" charset="-120"/>
+              </a:rPr>
+              <a:t>( </a:t>
+            </a:r>
+            <a:r>
+              <a:rPr lang="zh-CN" altLang="en-US" sz="3733" b="1" dirty="0">
+                <a:solidFill>
+                  <a:srgbClr val="660033"/>
+                </a:solidFill>
+                <a:latin typeface="Microsoft JhengHei" panose="020B0604030504040204" pitchFamily="34" charset="-120"/>
+                <a:ea typeface="Microsoft JhengHei" panose="020B0604030504040204" pitchFamily="34" charset="-120"/>
+              </a:rPr>
+              <a:t>副</a:t>
+            </a:r>
+            <a:r>
+              <a:rPr lang="en-US" sz="3733" b="1" dirty="0">
+                <a:solidFill>
+                  <a:srgbClr val="660033"/>
+                </a:solidFill>
+                <a:latin typeface="Microsoft JhengHei" panose="020B0604030504040204" pitchFamily="34" charset="-120"/>
+                <a:ea typeface="Microsoft JhengHei" panose="020B0604030504040204" pitchFamily="34" charset="-120"/>
+              </a:rPr>
+              <a:t> )</a:t>
+            </a:r>
+            <a:endParaRPr lang="vi-VN" sz="3733" b="1" dirty="0">
+              <a:solidFill>
+                <a:srgbClr val="660033"/>
+              </a:solidFill>
+              <a:ea typeface="Microsoft JhengHei" panose="020B0604030504040204" pitchFamily="34" charset="-120"/>
+            </a:endParaRPr>
+          </a:p>
+        </p:txBody>
+      </p:sp>
+    </p:spTree>
+    <p:extLst>
+      <p:ext uri="{BB962C8B-B14F-4D97-AF65-F5344CB8AC3E}">
+        <p14:creationId xmlns:p14="http://schemas.microsoft.com/office/powerpoint/2010/main" val="117597227"/>
+      </p:ext>
+    </p:extLst>
+  </p:cSld>
+  <p:clrMapOvr>
+    <a:masterClrMapping/>
+  </p:clrMapOvr>
+</p:sld>
+</file>
+
+<file path=ppt/slides/slide7.xml><?xml version="1.0" encoding="utf-8"?>
+<p:sld xmlns:a="http://schemas.openxmlformats.org/drawingml/2006/main" xmlns:r="http://schemas.openxmlformats.org/officeDocument/2006/relationships" xmlns:p="http://schemas.openxmlformats.org/presentationml/2006/main">
+  <p:cSld>
+    <p:spTree>
+      <p:nvGrpSpPr>
+        <p:cNvPr id="1" name=""/>
+        <p:cNvGrpSpPr/>
+        <p:nvPr/>
+      </p:nvGrpSpPr>
+      <p:grpSpPr>
+        <a:xfrm>
+          <a:off x="0" y="0"/>
+          <a:ext cx="0" cy="0"/>
+          <a:chOff x="0" y="0"/>
+          <a:chExt cx="0" cy="0"/>
+        </a:xfrm>
+      </p:grpSpPr>
+      <p:sp>
+        <p:nvSpPr>
+          <p:cNvPr id="5" name="內容版面配置區 4"/>
+          <p:cNvSpPr>
+            <a:spLocks noGrp="1"/>
+          </p:cNvSpPr>
+          <p:nvPr>
+            <p:ph idx="1"/>
+          </p:nvPr>
+        </p:nvSpPr>
+        <p:spPr>
+          <a:xfrm>
+            <a:off x="0" y="2084851"/>
+            <a:ext cx="12192000" cy="2404863"/>
+          </a:xfrm>
+        </p:spPr>
+        <p:txBody>
+          <a:bodyPr anchor="ctr">
+            <a:normAutofit/>
+          </a:bodyPr>
+          <a:lstStyle/>
+          <a:p>
+            <a:pPr algn="ctr">
+              <a:buNone/>
+            </a:pPr>
+            <a:r>
+              <a:rPr lang="zh-TW" altLang="en-US" sz="6400" b="1" dirty="0">
+                <a:solidFill>
+                  <a:srgbClr val="660033"/>
+                </a:solidFill>
+                <a:latin typeface="微軟正黑體" pitchFamily="34" charset="-120"/>
+                <a:ea typeface="微軟正黑體" pitchFamily="34" charset="-120"/>
+              </a:rPr>
+              <a:t>我心靈喜樂的跟隨主腳蹤</a:t>
+            </a:r>
+            <a:endParaRPr lang="en-US" altLang="zh-TW" sz="6400" b="1" dirty="0">
+              <a:solidFill>
+                <a:srgbClr val="660033"/>
+              </a:solidFill>
+              <a:latin typeface="微軟正黑體" pitchFamily="34" charset="-120"/>
+              <a:ea typeface="微軟正黑體" pitchFamily="34" charset="-120"/>
+            </a:endParaRPr>
+          </a:p>
+          <a:p>
+            <a:pPr algn="ctr">
+              <a:buNone/>
+            </a:pPr>
+            <a:r>
+              <a:rPr lang="zh-TW" altLang="en-US" sz="6400" b="1" dirty="0">
+                <a:solidFill>
+                  <a:srgbClr val="660033"/>
+                </a:solidFill>
+                <a:latin typeface="微軟正黑體" pitchFamily="34" charset="-120"/>
+                <a:ea typeface="微軟正黑體" pitchFamily="34" charset="-120"/>
+              </a:rPr>
+              <a:t>向主獻上我的一生</a:t>
+            </a:r>
+            <a:endParaRPr lang="zh-TW" altLang="en-US" sz="6400" b="1" dirty="0">
+              <a:solidFill>
+                <a:srgbClr val="660033"/>
+              </a:solidFill>
+              <a:latin typeface="微軟正黑體" pitchFamily="34" charset="-120"/>
+              <a:ea typeface="微軟正黑體" pitchFamily="34" charset="-120"/>
+            </a:endParaRPr>
+          </a:p>
+        </p:txBody>
+      </p:sp>
+      <p:sp>
+        <p:nvSpPr>
+          <p:cNvPr id="3" name="TextBox 2"/>
+          <p:cNvSpPr txBox="1"/>
+          <p:nvPr/>
+        </p:nvSpPr>
+        <p:spPr>
+          <a:xfrm>
+            <a:off x="0" y="5157192"/>
+            <a:ext cx="12192000" cy="666786"/>
+          </a:xfrm>
+          <a:prstGeom prst="rect">
+            <a:avLst/>
+          </a:prstGeom>
+          <a:noFill/>
+        </p:spPr>
+        <p:txBody>
+          <a:bodyPr wrap="square" rtlCol="0">
+            <a:spAutoFit/>
+          </a:bodyPr>
+          <a:lstStyle/>
+          <a:p>
+            <a:pPr algn="ctr"/>
+            <a:r>
+              <a:rPr lang="en-US" sz="3733" b="1" dirty="0">
+                <a:solidFill>
+                  <a:srgbClr val="660033"/>
+                </a:solidFill>
+                <a:latin typeface="Microsoft JhengHei" panose="020B0604030504040204" pitchFamily="34" charset="-120"/>
+                <a:ea typeface="Microsoft JhengHei" panose="020B0604030504040204" pitchFamily="34" charset="-120"/>
+              </a:rPr>
+              <a:t>( </a:t>
+            </a:r>
+            <a:r>
+              <a:rPr lang="zh-CN" altLang="en-US" sz="3733" b="1" dirty="0">
+                <a:solidFill>
+                  <a:srgbClr val="660033"/>
+                </a:solidFill>
+                <a:latin typeface="Microsoft JhengHei" panose="020B0604030504040204" pitchFamily="34" charset="-120"/>
+                <a:ea typeface="Microsoft JhengHei" panose="020B0604030504040204" pitchFamily="34" charset="-120"/>
+              </a:rPr>
+              <a:t>副</a:t>
+            </a:r>
+            <a:r>
+              <a:rPr lang="en-US" sz="3733" b="1" dirty="0">
+                <a:solidFill>
+                  <a:srgbClr val="660033"/>
+                </a:solidFill>
+                <a:latin typeface="Microsoft JhengHei" panose="020B0604030504040204" pitchFamily="34" charset="-120"/>
+                <a:ea typeface="Microsoft JhengHei" panose="020B0604030504040204" pitchFamily="34" charset="-120"/>
+              </a:rPr>
+              <a:t> )</a:t>
+            </a:r>
+            <a:endParaRPr lang="vi-VN" sz="3733" b="1" dirty="0">
+              <a:solidFill>
+                <a:srgbClr val="660033"/>
+              </a:solidFill>
+              <a:ea typeface="Microsoft JhengHei" panose="020B0604030504040204" pitchFamily="34" charset="-120"/>
+            </a:endParaRPr>
+          </a:p>
+        </p:txBody>
+      </p:sp>
+    </p:spTree>
+    <p:extLst>
+      <p:ext uri="{BB962C8B-B14F-4D97-AF65-F5344CB8AC3E}">
+        <p14:creationId xmlns:p14="http://schemas.microsoft.com/office/powerpoint/2010/main" val="2507945586"/>
+      </p:ext>
+    </p:extLst>
+  </p:cSld>
+  <p:clrMapOvr>
+    <a:masterClrMapping/>
+  </p:clrMapOvr>
+</p:sld>
+</file>
+
+<file path=ppt/slides/slide8.xml><?xml version="1.0" encoding="utf-8"?>
+<p:sld xmlns:a="http://schemas.openxmlformats.org/drawingml/2006/main" xmlns:r="http://schemas.openxmlformats.org/officeDocument/2006/relationships" xmlns:p="http://schemas.openxmlformats.org/presentationml/2006/main">
+  <p:cSld>
+    <p:spTree>
+      <p:nvGrpSpPr>
+        <p:cNvPr id="1" name=""/>
+        <p:cNvGrpSpPr/>
+        <p:nvPr/>
+      </p:nvGrpSpPr>
+      <p:grpSpPr>
+        <a:xfrm>
+          <a:off x="0" y="0"/>
+          <a:ext cx="0" cy="0"/>
+          <a:chOff x="0" y="0"/>
+          <a:chExt cx="0" cy="0"/>
+        </a:xfrm>
+      </p:grpSpPr>
+      <p:sp>
+        <p:nvSpPr>
           <p:cNvPr id="4" name="標題 3"/>
           <p:cNvSpPr>
             <a:spLocks noGrp="1"/>
@@ -4583,7 +4637,7 @@
         </p:nvSpPr>
         <p:spPr>
           <a:xfrm>
-            <a:off x="0" y="1600200"/>
+            <a:off x="1524000" y="1600201"/>
             <a:ext cx="9144000" cy="4525963"/>
           </a:xfrm>
         </p:spPr>
@@ -4598,23 +4652,39 @@
             </a:pPr>
             <a:r>
               <a:rPr lang="en-US" sz="3600" dirty="0" err="1"/>
-              <a:t>Mọi</a:t>
-            </a:r>
-            <a:r>
-              <a:rPr lang="en-US" sz="3600" dirty="0"/>
-              <a:t> </a:t>
-            </a:r>
-            <a:r>
-              <a:rPr lang="en-US" sz="3600" dirty="0" err="1"/>
-              <a:t>ân</a:t>
-            </a:r>
-            <a:r>
-              <a:rPr lang="en-US" sz="3600" dirty="0"/>
-              <a:t> </a:t>
-            </a:r>
-            <a:r>
-              <a:rPr lang="en-US" sz="3600" dirty="0" err="1"/>
-              <a:t>điển</a:t>
+              <a:t>Nguyện</a:t>
+            </a:r>
+            <a:r>
+              <a:rPr lang="en-US" sz="3600" dirty="0"/>
+              <a:t> </a:t>
+            </a:r>
+            <a:r>
+              <a:rPr lang="en-US" sz="3600" dirty="0" err="1"/>
+              <a:t>lòng</a:t>
+            </a:r>
+            <a:r>
+              <a:rPr lang="en-US" sz="3600" dirty="0"/>
+              <a:t> </a:t>
+            </a:r>
+            <a:r>
+              <a:rPr lang="en-US" sz="3600" dirty="0" err="1"/>
+              <a:t>không</a:t>
+            </a:r>
+            <a:r>
+              <a:rPr lang="en-US" sz="3600" dirty="0"/>
+              <a:t> </a:t>
+            </a:r>
+            <a:r>
+              <a:rPr lang="en-US" sz="3600" dirty="0" err="1"/>
+              <a:t>quên</a:t>
+            </a:r>
+            <a:r>
+              <a:rPr lang="en-US" sz="3600" dirty="0"/>
+              <a:t> </a:t>
+            </a:r>
+            <a:r>
+              <a:rPr lang="en-US" sz="3600" dirty="0" err="1"/>
+              <a:t>ơn</a:t>
             </a:r>
             <a:r>
               <a:rPr lang="en-US" sz="3600" dirty="0"/>
@@ -4630,51 +4700,194 @@
             </a:r>
             <a:r>
               <a:rPr lang="en-US" sz="3600" dirty="0" err="1"/>
-              <a:t>đổ</a:t>
-            </a:r>
-            <a:r>
-              <a:rPr lang="en-US" sz="3600" dirty="0"/>
-              <a:t> </a:t>
-            </a:r>
-            <a:r>
-              <a:rPr lang="en-US" sz="3600" dirty="0" err="1"/>
-              <a:t>xuống</a:t>
-            </a:r>
-            <a:r>
-              <a:rPr lang="en-US" sz="3600" dirty="0"/>
-              <a:t> </a:t>
-            </a:r>
-            <a:r>
-              <a:rPr lang="en-US" sz="3600" dirty="0" err="1"/>
-              <a:t>cho</a:t>
-            </a:r>
-            <a:r>
-              <a:rPr lang="en-US" sz="3600" dirty="0"/>
-              <a:t> </a:t>
-            </a:r>
-            <a:r>
-              <a:rPr lang="en-US" sz="3600" dirty="0" err="1"/>
-              <a:t>đời</a:t>
-            </a:r>
-            <a:r>
-              <a:rPr lang="en-US" sz="3600" dirty="0"/>
-              <a:t> </a:t>
-            </a:r>
-            <a:r>
-              <a:rPr lang="en-US" sz="3600" dirty="0" smtClean="0"/>
-              <a:t>con</a:t>
-            </a:r>
+              <a:t>yêu</a:t>
+            </a:r>
+            <a:r>
+              <a:rPr lang="en-US" sz="3600" dirty="0"/>
+              <a:t> </a:t>
+            </a:r>
+            <a:r>
+              <a:rPr lang="en-US" sz="3600" dirty="0" err="1"/>
+              <a:t>diệu</a:t>
+            </a:r>
+            <a:r>
+              <a:rPr lang="en-US" sz="3600" dirty="0"/>
+              <a:t> </a:t>
+            </a:r>
+            <a:r>
+              <a:rPr lang="en-US" sz="3600" dirty="0" err="1"/>
+              <a:t>kỳ</a:t>
+            </a:r>
+            <a:endParaRPr lang="en-US" sz="3600" dirty="0"/>
           </a:p>
           <a:p>
             <a:pPr algn="ctr">
               <a:buNone/>
             </a:pPr>
             <a:r>
-              <a:rPr lang="en-US" sz="3600" dirty="0" err="1" smtClean="0"/>
-              <a:t>Trào</a:t>
-            </a:r>
-            <a:r>
-              <a:rPr lang="en-US" sz="3600" dirty="0" smtClean="0"/>
+              <a:rPr lang="en-US" sz="3600" dirty="0" err="1"/>
+              <a:t>Và</a:t>
+            </a:r>
+            <a:r>
+              <a:rPr lang="en-US" sz="3600" dirty="0"/>
+              <a:t> </a:t>
+            </a:r>
+            <a:r>
+              <a:rPr lang="en-US" sz="3600" dirty="0" err="1"/>
+              <a:t>tâm</a:t>
+            </a:r>
+            <a:r>
+              <a:rPr lang="en-US" sz="3600" dirty="0"/>
+              <a:t> </a:t>
+            </a:r>
+            <a:r>
+              <a:rPr lang="en-US" sz="3600" dirty="0" err="1"/>
+              <a:t>linh</a:t>
+            </a:r>
+            <a:r>
+              <a:rPr lang="en-US" sz="3600" dirty="0"/>
+              <a:t> con </a:t>
+            </a:r>
+            <a:r>
+              <a:rPr lang="en-US" sz="3600" dirty="0" err="1"/>
+              <a:t>hân</a:t>
+            </a:r>
+            <a:r>
+              <a:rPr lang="en-US" sz="3600" dirty="0"/>
+              <a:t> </a:t>
+            </a:r>
+            <a:r>
+              <a:rPr lang="en-US" sz="3600" dirty="0" err="1"/>
+              <a:t>hoan</a:t>
+            </a:r>
+            <a:r>
+              <a:rPr lang="en-US" sz="3600" dirty="0"/>
+              <a:t> </a:t>
+            </a:r>
+            <a:r>
+              <a:rPr lang="en-US" sz="3600" dirty="0" err="1"/>
+              <a:t>cất</a:t>
+            </a:r>
+            <a:r>
+              <a:rPr lang="en-US" sz="3600" dirty="0"/>
+              <a:t> </a:t>
+            </a:r>
+            <a:r>
+              <a:rPr lang="en-US" sz="3600" dirty="0" err="1"/>
+              <a:t>tiếng</a:t>
+            </a:r>
+            <a:r>
+              <a:rPr lang="en-US" sz="3600" dirty="0"/>
+              <a:t> </a:t>
+            </a:r>
+            <a:r>
+              <a:rPr lang="en-US" sz="3600" dirty="0" err="1"/>
+              <a:t>hát</a:t>
+            </a:r>
+            <a:endParaRPr lang="zh-TW" altLang="en-US" sz="3600" dirty="0"/>
+          </a:p>
+          <a:p>
+            <a:pPr algn="ctr">
+              <a:buNone/>
+            </a:pPr>
+            <a:r>
+              <a:rPr lang="en-US" sz="3600" dirty="0"/>
+              <a:t>Ở </a:t>
+            </a:r>
+            <a:r>
+              <a:rPr lang="en-US" sz="3600" dirty="0" err="1"/>
+              <a:t>trên</a:t>
+            </a:r>
+            <a:r>
+              <a:rPr lang="en-US" sz="3600" dirty="0"/>
+              <a:t> </a:t>
+            </a:r>
+            <a:r>
+              <a:rPr lang="en-US" sz="3600" dirty="0" err="1"/>
+              <a:t>đỉnh</a:t>
+            </a:r>
+            <a:r>
+              <a:rPr lang="en-US" sz="3600" dirty="0"/>
+              <a:t> </a:t>
+            </a:r>
+            <a:r>
+              <a:rPr lang="en-US" sz="3600" dirty="0" err="1"/>
+              <a:t>của</a:t>
+            </a:r>
+            <a:r>
+              <a:rPr lang="en-US" sz="3600" dirty="0"/>
+              <a:t> </a:t>
+            </a:r>
+            <a:r>
+              <a:rPr lang="en-US" sz="3600" dirty="0" err="1"/>
+              <a:t>hy</a:t>
+            </a:r>
+            <a:r>
+              <a:rPr lang="en-US" sz="3600" dirty="0"/>
+              <a:t> </a:t>
+            </a:r>
+            <a:r>
+              <a:rPr lang="en-US" sz="3600" dirty="0" err="1"/>
+              <a:t>vọng</a:t>
+            </a:r>
+            <a:endParaRPr lang="en-US" sz="3600" dirty="0"/>
+          </a:p>
+          <a:p>
+            <a:pPr algn="ctr">
+              <a:buNone/>
+            </a:pPr>
+            <a:r>
+              <a:rPr lang="en-US" sz="3600" dirty="0" err="1"/>
+              <a:t>Lòng</a:t>
+            </a:r>
+            <a:r>
+              <a:rPr lang="en-US" sz="3600" dirty="0"/>
+              <a:t> </a:t>
+            </a:r>
+            <a:r>
+              <a:rPr lang="en-US" sz="3600" dirty="0"/>
+              <a:t>con </a:t>
+            </a:r>
+            <a:r>
+              <a:rPr lang="en-US" sz="3600" dirty="0" err="1"/>
+              <a:t>siết</a:t>
+            </a:r>
+            <a:r>
+              <a:rPr lang="en-US" sz="3600" dirty="0"/>
+              <a:t> </a:t>
+            </a:r>
+            <a:r>
+              <a:rPr lang="en-US" sz="3600" dirty="0" err="1"/>
+              <a:t>bao</a:t>
+            </a:r>
+            <a:r>
+              <a:rPr lang="en-US" sz="3600" dirty="0"/>
+              <a:t> </a:t>
+            </a:r>
+            <a:r>
+              <a:rPr lang="en-US" sz="3600" dirty="0" err="1"/>
+              <a:t>vui</a:t>
+            </a:r>
+            <a:r>
+              <a:rPr lang="en-US" sz="3600" dirty="0"/>
+              <a:t> </a:t>
+            </a:r>
+            <a:r>
+              <a:rPr lang="en-US" sz="3600" dirty="0" err="1"/>
+              <a:t>mừng</a:t>
+            </a:r>
+            <a:endParaRPr lang="zh-TW" altLang="en-US" sz="3600" dirty="0"/>
+          </a:p>
+          <a:p>
+            <a:pPr algn="ctr">
+              <a:buNone/>
+            </a:pPr>
+            <a:r>
+              <a:rPr lang="en-US" sz="3600" dirty="0" err="1"/>
+              <a:t>Xin</a:t>
+            </a:r>
+            <a:r>
+              <a:rPr lang="en-US" sz="3600" dirty="0"/>
               <a:t> </a:t>
             </a:r>
             <a:r>
@@ -4687,73 +4900,286 @@
             </a:r>
             <a:r>
               <a:rPr lang="en-US" sz="3600" dirty="0" err="1"/>
-              <a:t>nói</a:t>
-            </a:r>
-            <a:r>
-              <a:rPr lang="en-US" sz="3600" dirty="0"/>
-              <a:t> </a:t>
-            </a:r>
-            <a:r>
-              <a:rPr lang="en-US" sz="3600" dirty="0" err="1"/>
-              <a:t>sao</a:t>
-            </a:r>
-            <a:r>
-              <a:rPr lang="en-US" sz="3600" dirty="0"/>
-              <a:t> </a:t>
-            </a:r>
-            <a:r>
-              <a:rPr lang="en-US" sz="3600" dirty="0" err="1"/>
-              <a:t>không</a:t>
-            </a:r>
-            <a:r>
-              <a:rPr lang="en-US" sz="3600" dirty="0"/>
-              <a:t> </a:t>
-            </a:r>
-            <a:r>
-              <a:rPr lang="en-US" sz="3600" dirty="0" err="1"/>
-              <a:t>nên</a:t>
-            </a:r>
-            <a:r>
-              <a:rPr lang="en-US" sz="3600" dirty="0"/>
-              <a:t> </a:t>
-            </a:r>
-            <a:r>
-              <a:rPr lang="en-US" sz="3600" dirty="0" err="1" smtClean="0"/>
-              <a:t>lời</a:t>
-            </a:r>
-            <a:endParaRPr lang="en-US" sz="3600" dirty="0" smtClean="0"/>
-          </a:p>
+              <a:t>lòng</a:t>
+            </a:r>
+            <a:r>
+              <a:rPr lang="en-US" sz="3600" dirty="0"/>
+              <a:t> con </a:t>
+            </a:r>
+            <a:r>
+              <a:rPr lang="en-US" sz="3600" dirty="0" err="1"/>
+              <a:t>mến</a:t>
+            </a:r>
+            <a:r>
+              <a:rPr lang="en-US" sz="3600" dirty="0"/>
+              <a:t> </a:t>
+            </a:r>
+            <a:r>
+              <a:rPr lang="en-US" sz="3600" dirty="0" err="1"/>
+              <a:t>yêu</a:t>
+            </a:r>
+            <a:r>
+              <a:rPr lang="en-US" sz="3600" dirty="0"/>
+              <a:t> </a:t>
+            </a:r>
+            <a:r>
+              <a:rPr lang="en-US" sz="3600" dirty="0" err="1"/>
+              <a:t>Ngài</a:t>
+            </a:r>
+            <a:r>
+              <a:rPr lang="en-US" sz="3600" dirty="0"/>
+              <a:t> </a:t>
+            </a:r>
+            <a:r>
+              <a:rPr lang="en-US" sz="3600" dirty="0" err="1"/>
+              <a:t>hoài</a:t>
+            </a:r>
+            <a:endParaRPr lang="zh-TW" altLang="en-US" sz="3600" dirty="0"/>
+          </a:p>
+        </p:txBody>
+      </p:sp>
+    </p:spTree>
+  </p:cSld>
+  <p:clrMapOvr>
+    <a:masterClrMapping/>
+  </p:clrMapOvr>
+</p:sld>
+</file>
+
+<file path=ppt/slides/slide9.xml><?xml version="1.0" encoding="utf-8"?>
+<p:sld xmlns:a="http://schemas.openxmlformats.org/drawingml/2006/main" xmlns:r="http://schemas.openxmlformats.org/officeDocument/2006/relationships" xmlns:p="http://schemas.openxmlformats.org/presentationml/2006/main">
+  <p:cSld>
+    <p:spTree>
+      <p:nvGrpSpPr>
+        <p:cNvPr id="1" name=""/>
+        <p:cNvGrpSpPr/>
+        <p:nvPr/>
+      </p:nvGrpSpPr>
+      <p:grpSpPr>
+        <a:xfrm>
+          <a:off x="0" y="0"/>
+          <a:ext cx="0" cy="0"/>
+          <a:chOff x="0" y="0"/>
+          <a:chExt cx="0" cy="0"/>
+        </a:xfrm>
+      </p:grpSpPr>
+      <p:sp>
+        <p:nvSpPr>
+          <p:cNvPr id="4" name="標題 3"/>
+          <p:cNvSpPr>
+            <a:spLocks noGrp="1"/>
+          </p:cNvSpPr>
+          <p:nvPr>
+            <p:ph type="title"/>
+          </p:nvPr>
+        </p:nvSpPr>
+        <p:spPr/>
+        <p:txBody>
+          <a:bodyPr>
+            <a:normAutofit/>
+          </a:bodyPr>
+          <a:lstStyle/>
+          <a:p>
+            <a:r>
+              <a:rPr lang="en-US" b="1" dirty="0" err="1"/>
+              <a:t>Tình</a:t>
+            </a:r>
+            <a:r>
+              <a:rPr lang="en-US" b="1" dirty="0"/>
+              <a:t> </a:t>
+            </a:r>
+            <a:r>
+              <a:rPr lang="en-US" b="1" dirty="0" err="1"/>
+              <a:t>Chúa</a:t>
+            </a:r>
+            <a:r>
+              <a:rPr lang="en-US" b="1" dirty="0"/>
+              <a:t> </a:t>
+            </a:r>
+            <a:r>
+              <a:rPr lang="en-US" b="1" dirty="0" err="1"/>
+              <a:t>Mãi</a:t>
+            </a:r>
+            <a:r>
+              <a:rPr lang="en-US" b="1" dirty="0"/>
+              <a:t> </a:t>
+            </a:r>
+            <a:r>
+              <a:rPr lang="en-US" b="1" dirty="0" err="1"/>
+              <a:t>Trong</a:t>
+            </a:r>
+            <a:r>
+              <a:rPr lang="en-US" b="1" dirty="0"/>
+              <a:t> </a:t>
+            </a:r>
+            <a:r>
+              <a:rPr lang="en-US" b="1" dirty="0" err="1"/>
+              <a:t>Tôi</a:t>
+            </a:r>
+            <a:endParaRPr lang="zh-TW" altLang="en-US" dirty="0"/>
+          </a:p>
+        </p:txBody>
+      </p:sp>
+      <p:sp>
+        <p:nvSpPr>
+          <p:cNvPr id="5" name="內容版面配置區 4"/>
+          <p:cNvSpPr>
+            <a:spLocks noGrp="1"/>
+          </p:cNvSpPr>
+          <p:nvPr>
+            <p:ph idx="1"/>
+          </p:nvPr>
+        </p:nvSpPr>
+        <p:spPr>
+          <a:xfrm>
+            <a:off x="1524000" y="1600201"/>
+            <a:ext cx="9144000" cy="4525963"/>
+          </a:xfrm>
+        </p:spPr>
+        <p:txBody>
+          <a:bodyPr>
+            <a:noAutofit/>
+          </a:bodyPr>
+          <a:lstStyle/>
           <a:p>
             <a:pPr algn="ctr">
               <a:buNone/>
             </a:pPr>
             <a:r>
-              <a:rPr lang="en-US" sz="3600" dirty="0" err="1" smtClean="0"/>
+              <a:rPr lang="en-US" sz="3600" dirty="0" err="1"/>
+              <a:t>Nguyện</a:t>
+            </a:r>
+            <a:r>
+              <a:rPr lang="en-US" sz="3600" dirty="0"/>
+              <a:t> </a:t>
+            </a:r>
+            <a:r>
+              <a:rPr lang="en-US" sz="3600" dirty="0" err="1"/>
+              <a:t>lòng</a:t>
+            </a:r>
+            <a:r>
+              <a:rPr lang="en-US" sz="3600" dirty="0"/>
+              <a:t> con </a:t>
+            </a:r>
+            <a:r>
+              <a:rPr lang="en-US" sz="3600" dirty="0" err="1"/>
+              <a:t>là</a:t>
+            </a:r>
+            <a:r>
+              <a:rPr lang="en-US" sz="3600" dirty="0"/>
+              <a:t> </a:t>
+            </a:r>
+            <a:r>
+              <a:rPr lang="en-US" sz="3600" dirty="0" err="1"/>
+              <a:t>nơi</a:t>
+            </a:r>
+            <a:r>
+              <a:rPr lang="en-US" sz="3600" dirty="0"/>
+              <a:t> </a:t>
+            </a:r>
+            <a:r>
+              <a:rPr lang="en-US" sz="3600" dirty="0" err="1"/>
+              <a:t>Chúa</a:t>
+            </a:r>
+            <a:r>
+              <a:rPr lang="en-US" sz="3600" dirty="0"/>
+              <a:t> Cha </a:t>
+            </a:r>
+            <a:r>
+              <a:rPr lang="en-US" sz="3600" dirty="0" err="1"/>
+              <a:t>ngự</a:t>
+            </a:r>
+            <a:r>
+              <a:rPr lang="en-US" sz="3600" dirty="0"/>
+              <a:t> </a:t>
+            </a:r>
+            <a:r>
+              <a:rPr lang="en-US" sz="3600" dirty="0" err="1"/>
+              <a:t>trị</a:t>
+            </a:r>
+            <a:endParaRPr lang="en-US" sz="3600" dirty="0"/>
+          </a:p>
+          <a:p>
+            <a:pPr algn="ctr">
+              <a:buNone/>
+            </a:pPr>
+            <a:r>
+              <a:rPr lang="en-US" sz="3600" dirty="0" err="1"/>
+              <a:t>Và</a:t>
+            </a:r>
+            <a:r>
+              <a:rPr lang="en-US" sz="3600" dirty="0"/>
+              <a:t> </a:t>
+            </a:r>
+            <a:r>
+              <a:rPr lang="en-US" sz="3600" dirty="0" err="1"/>
+              <a:t>ngợi</a:t>
+            </a:r>
+            <a:r>
+              <a:rPr lang="en-US" sz="3600" dirty="0"/>
+              <a:t> </a:t>
+            </a:r>
+            <a:r>
+              <a:rPr lang="en-US" sz="3600" dirty="0" err="1"/>
+              <a:t>khen</a:t>
+            </a:r>
+            <a:r>
+              <a:rPr lang="en-US" sz="3600" dirty="0"/>
+              <a:t> </a:t>
+            </a:r>
+            <a:r>
+              <a:rPr lang="en-US" sz="3600" dirty="0" err="1"/>
+              <a:t>Giê-xu</a:t>
+            </a:r>
+            <a:r>
+              <a:rPr lang="en-US" sz="3600" dirty="0"/>
+              <a:t> con </a:t>
+            </a:r>
+            <a:r>
+              <a:rPr lang="en-US" sz="3600" dirty="0" err="1"/>
+              <a:t>cất</a:t>
+            </a:r>
+            <a:r>
+              <a:rPr lang="en-US" sz="3600" dirty="0"/>
+              <a:t> </a:t>
+            </a:r>
+            <a:r>
+              <a:rPr lang="en-US" sz="3600" dirty="0" err="1"/>
+              <a:t>tiếng</a:t>
+            </a:r>
+            <a:r>
+              <a:rPr lang="en-US" sz="3600" dirty="0"/>
+              <a:t> </a:t>
+            </a:r>
+            <a:r>
+              <a:rPr lang="en-US" sz="3600" dirty="0" err="1"/>
+              <a:t>hát</a:t>
+            </a:r>
+            <a:endParaRPr lang="zh-TW" altLang="en-US" sz="3600" dirty="0"/>
+          </a:p>
+          <a:p>
+            <a:pPr algn="ctr">
+              <a:buNone/>
+            </a:pPr>
+            <a:r>
+              <a:rPr lang="en-US" sz="3600" dirty="0" err="1"/>
               <a:t>Lòng</a:t>
             </a:r>
             <a:r>
-              <a:rPr lang="en-US" sz="3600" dirty="0" smtClean="0"/>
-              <a:t> </a:t>
-            </a:r>
-            <a:r>
-              <a:rPr lang="en-US" sz="3600" dirty="0" err="1"/>
-              <a:t>vui</a:t>
-            </a:r>
-            <a:r>
-              <a:rPr lang="en-US" sz="3600" dirty="0"/>
-              <a:t> </a:t>
-            </a:r>
-            <a:r>
-              <a:rPr lang="en-US" sz="3600" dirty="0" err="1"/>
-              <a:t>sướng</a:t>
-            </a:r>
-            <a:r>
-              <a:rPr lang="en-US" sz="3600" dirty="0"/>
-              <a:t> </a:t>
-            </a:r>
-            <a:r>
-              <a:rPr lang="en-US" sz="3600" dirty="0" err="1"/>
-              <a:t>quá</a:t>
+              <a:rPr lang="en-US" sz="3600" dirty="0"/>
+              <a:t> </a:t>
+            </a:r>
+            <a:r>
+              <a:rPr lang="en-US" sz="3600" dirty="0" err="1"/>
+              <a:t>nghe</a:t>
+            </a:r>
+            <a:r>
+              <a:rPr lang="en-US" sz="3600" dirty="0"/>
+              <a:t> </a:t>
+            </a:r>
+            <a:r>
+              <a:rPr lang="en-US" sz="3600" dirty="0" err="1"/>
+              <a:t>tiếng</a:t>
             </a:r>
             <a:r>
               <a:rPr lang="en-US" sz="3600" dirty="0"/>
@@ -4768,38 +5194,100 @@
               <a:t> </a:t>
             </a:r>
             <a:r>
-              <a:rPr lang="en-US" sz="3600" dirty="0" err="1" smtClean="0"/>
-              <a:t>ơi</a:t>
-            </a:r>
-            <a:endParaRPr lang="en-US" sz="3600" dirty="0" smtClean="0"/>
+              <a:rPr lang="en-US" sz="3600" dirty="0" err="1"/>
+              <a:t>kêu</a:t>
+            </a:r>
+            <a:r>
+              <a:rPr lang="en-US" sz="3600" dirty="0"/>
+              <a:t> </a:t>
+            </a:r>
+            <a:r>
+              <a:rPr lang="en-US" sz="3600" dirty="0" err="1"/>
+              <a:t>gọi</a:t>
+            </a:r>
+            <a:endParaRPr lang="en-US" sz="3600" dirty="0"/>
           </a:p>
           <a:p>
             <a:pPr algn="ctr">
               <a:buNone/>
             </a:pPr>
             <a:r>
-              <a:rPr lang="en-US" sz="3600" dirty="0" smtClean="0"/>
-              <a:t>Con </a:t>
-            </a:r>
-            <a:r>
-              <a:rPr lang="en-US" sz="3600" dirty="0" err="1"/>
-              <a:t>quyết</a:t>
-            </a:r>
-            <a:r>
-              <a:rPr lang="en-US" sz="3600" dirty="0"/>
-              <a:t> </a:t>
-            </a:r>
-            <a:r>
-              <a:rPr lang="en-US" sz="3600" dirty="0" err="1"/>
-              <a:t>bước</a:t>
-            </a:r>
-            <a:r>
-              <a:rPr lang="en-US" sz="3600" dirty="0"/>
-              <a:t> </a:t>
-            </a:r>
-            <a:r>
-              <a:rPr lang="en-US" sz="3600" dirty="0" err="1"/>
-              <a:t>đi</a:t>
+              <a:rPr lang="en-US" sz="3600" dirty="0" err="1"/>
+              <a:t>Vùng</a:t>
+            </a:r>
+            <a:r>
+              <a:rPr lang="en-US" sz="3600" dirty="0"/>
+              <a:t> </a:t>
+            </a:r>
+            <a:r>
+              <a:rPr lang="en-US" sz="3600" dirty="0" err="1"/>
+              <a:t>đất</a:t>
+            </a:r>
+            <a:r>
+              <a:rPr lang="en-US" sz="3600" dirty="0"/>
+              <a:t> </a:t>
+            </a:r>
+            <a:r>
+              <a:rPr lang="en-US" sz="3600" dirty="0" err="1"/>
+              <a:t>của</a:t>
+            </a:r>
+            <a:r>
+              <a:rPr lang="en-US" sz="3600" dirty="0"/>
+              <a:t> </a:t>
+            </a:r>
+            <a:r>
+              <a:rPr lang="en-US" sz="3600" dirty="0" err="1"/>
+              <a:t>sự</a:t>
+            </a:r>
+            <a:r>
+              <a:rPr lang="en-US" sz="3600" dirty="0"/>
+              <a:t> </a:t>
+            </a:r>
+            <a:r>
+              <a:rPr lang="en-US" sz="3600" dirty="0" err="1"/>
+              <a:t>thánh</a:t>
+            </a:r>
+            <a:r>
+              <a:rPr lang="en-US" sz="3600" dirty="0"/>
+              <a:t> </a:t>
+            </a:r>
+            <a:r>
+              <a:rPr lang="en-US" sz="3600" dirty="0" err="1"/>
+              <a:t>thiện</a:t>
+            </a:r>
+            <a:endParaRPr lang="zh-TW" altLang="en-US" sz="3600" dirty="0"/>
+          </a:p>
+          <a:p>
+            <a:pPr algn="ctr">
+              <a:buNone/>
+            </a:pPr>
+            <a:r>
+              <a:rPr lang="en-US" sz="3600" dirty="0" err="1"/>
+              <a:t>Xin</a:t>
+            </a:r>
+            <a:r>
+              <a:rPr lang="en-US" sz="3600" dirty="0"/>
+              <a:t> </a:t>
+            </a:r>
+            <a:r>
+              <a:rPr lang="en-US" sz="3600" dirty="0" err="1"/>
+              <a:t>dâng</a:t>
+            </a:r>
+            <a:r>
+              <a:rPr lang="en-US" sz="3600" dirty="0"/>
+              <a:t> </a:t>
+            </a:r>
+            <a:r>
+              <a:rPr lang="en-US" sz="3600" dirty="0" err="1"/>
+              <a:t>lòng</a:t>
+            </a:r>
+            <a:r>
+              <a:rPr lang="en-US" sz="3600" dirty="0"/>
+              <a:t> </a:t>
+            </a:r>
+            <a:r>
+              <a:rPr lang="en-US" sz="3600" dirty="0" err="1"/>
+              <a:t>đây</a:t>
             </a:r>
             <a:r>
               <a:rPr lang="en-US" sz="3600" dirty="0"/>
@@ -4815,80 +5303,22 @@
             </a:r>
             <a:r>
               <a:rPr lang="en-US" sz="3600" dirty="0" err="1"/>
-              <a:t>với</a:t>
-            </a:r>
-            <a:r>
-              <a:rPr lang="en-US" sz="3600" dirty="0"/>
-              <a:t> </a:t>
-            </a:r>
-            <a:r>
-              <a:rPr lang="en-US" sz="3600" dirty="0" err="1"/>
-              <a:t>Ngài</a:t>
-            </a:r>
-            <a:endParaRPr lang="zh-TW" altLang="en-US" sz="3600" dirty="0"/>
-          </a:p>
-          <a:p>
-            <a:pPr algn="ctr">
-              <a:buNone/>
-            </a:pPr>
-            <a:r>
-              <a:rPr lang="en-US" sz="3600" dirty="0" err="1" smtClean="0"/>
-              <a:t>Dâng</a:t>
-            </a:r>
-            <a:r>
-              <a:rPr lang="en-US" sz="3600" dirty="0" smtClean="0"/>
-              <a:t> </a:t>
-            </a:r>
-            <a:r>
-              <a:rPr lang="en-US" sz="3600" dirty="0" err="1"/>
-              <a:t>trọn</a:t>
-            </a:r>
-            <a:r>
-              <a:rPr lang="en-US" sz="3600" dirty="0"/>
-              <a:t> </a:t>
-            </a:r>
-            <a:r>
-              <a:rPr lang="en-US" sz="3600" dirty="0" err="1"/>
-              <a:t>đời</a:t>
-            </a:r>
-            <a:r>
-              <a:rPr lang="en-US" sz="3600" dirty="0"/>
-              <a:t> </a:t>
-            </a:r>
-            <a:r>
-              <a:rPr lang="en-US" sz="3600" dirty="0" err="1"/>
-              <a:t>trong</a:t>
-            </a:r>
-            <a:r>
-              <a:rPr lang="en-US" sz="3600" dirty="0"/>
-              <a:t> </a:t>
-            </a:r>
-            <a:r>
-              <a:rPr lang="en-US" sz="3600" dirty="0" err="1"/>
-              <a:t>cánh</a:t>
-            </a:r>
-            <a:r>
-              <a:rPr lang="en-US" sz="3600" dirty="0"/>
-              <a:t> </a:t>
-            </a:r>
-            <a:r>
-              <a:rPr lang="en-US" sz="3600" dirty="0" err="1"/>
-              <a:t>tay</a:t>
-            </a:r>
-            <a:r>
-              <a:rPr lang="en-US" sz="3600" dirty="0"/>
-              <a:t> </a:t>
-            </a:r>
-            <a:r>
-              <a:rPr lang="en-US" sz="3600" dirty="0" err="1"/>
-              <a:t>của</a:t>
-            </a:r>
-            <a:r>
-              <a:rPr lang="en-US" sz="3600" dirty="0"/>
-              <a:t> </a:t>
-            </a:r>
-            <a:r>
-              <a:rPr lang="en-US" sz="3600" dirty="0" err="1" smtClean="0"/>
+              <a:t>tôn</a:t>
+            </a:r>
+            <a:r>
+              <a:rPr lang="en-US" sz="3600" dirty="0"/>
+              <a:t> </a:t>
+            </a:r>
+            <a:r>
+              <a:rPr lang="en-US" sz="3600" dirty="0" err="1"/>
+              <a:t>thờ</a:t>
+            </a:r>
+            <a:r>
+              <a:rPr lang="en-US" sz="3600" dirty="0"/>
+              <a:t> </a:t>
+            </a:r>
+            <a:r>
+              <a:rPr lang="en-US" sz="3600" dirty="0" err="1"/>
               <a:t>Ngài</a:t>
             </a:r>
             <a:endParaRPr lang="zh-TW" altLang="en-US" sz="3600" dirty="0"/>
